--- a/various/singly_linked_list.pptx
+++ b/various/singly_linked_list.pptx
@@ -7,6 +7,8 @@
   <p:sldIdLst>
     <p:sldId id="256" r:id="rId2"/>
     <p:sldId id="257" r:id="rId3"/>
+    <p:sldId id="258" r:id="rId4"/>
+    <p:sldId id="259" r:id="rId5"/>
   </p:sldIdLst>
   <p:sldSz cx="12192000" cy="6858000"/>
   <p:notesSz cx="6858000" cy="9144000"/>
@@ -105,6 +107,11 @@
       </a:defRPr>
     </a:lvl9pPr>
   </p:defaultTextStyle>
+  <p:extLst>
+    <p:ext uri="{EFAFB233-063F-42B5-8137-9DF3F51BA10A}">
+      <p15:sldGuideLst xmlns:p15="http://schemas.microsoft.com/office/powerpoint/2012/main"/>
+    </p:ext>
+  </p:extLst>
 </p:presentation>
 </file>
 
@@ -257,7 +264,7 @@
           <a:p>
             <a:fld id="{8D7A1666-380E-8345-B6B3-A5B8304503DF}" type="datetimeFigureOut">
               <a:rPr lang="en-GR" smtClean="0"/>
-              <a:t>4/5/20</a:t>
+              <a:t>05/05/2020</a:t>
             </a:fld>
             <a:endParaRPr lang="en-GR"/>
           </a:p>
@@ -457,7 +464,7 @@
           <a:p>
             <a:fld id="{8D7A1666-380E-8345-B6B3-A5B8304503DF}" type="datetimeFigureOut">
               <a:rPr lang="en-GR" smtClean="0"/>
-              <a:t>4/5/20</a:t>
+              <a:t>05/05/2020</a:t>
             </a:fld>
             <a:endParaRPr lang="en-GR"/>
           </a:p>
@@ -667,7 +674,7 @@
           <a:p>
             <a:fld id="{8D7A1666-380E-8345-B6B3-A5B8304503DF}" type="datetimeFigureOut">
               <a:rPr lang="en-GR" smtClean="0"/>
-              <a:t>4/5/20</a:t>
+              <a:t>05/05/2020</a:t>
             </a:fld>
             <a:endParaRPr lang="en-GR"/>
           </a:p>
@@ -867,7 +874,7 @@
           <a:p>
             <a:fld id="{8D7A1666-380E-8345-B6B3-A5B8304503DF}" type="datetimeFigureOut">
               <a:rPr lang="en-GR" smtClean="0"/>
-              <a:t>4/5/20</a:t>
+              <a:t>05/05/2020</a:t>
             </a:fld>
             <a:endParaRPr lang="en-GR"/>
           </a:p>
@@ -1143,7 +1150,7 @@
           <a:p>
             <a:fld id="{8D7A1666-380E-8345-B6B3-A5B8304503DF}" type="datetimeFigureOut">
               <a:rPr lang="en-GR" smtClean="0"/>
-              <a:t>4/5/20</a:t>
+              <a:t>05/05/2020</a:t>
             </a:fld>
             <a:endParaRPr lang="en-GR"/>
           </a:p>
@@ -1411,7 +1418,7 @@
           <a:p>
             <a:fld id="{8D7A1666-380E-8345-B6B3-A5B8304503DF}" type="datetimeFigureOut">
               <a:rPr lang="en-GR" smtClean="0"/>
-              <a:t>4/5/20</a:t>
+              <a:t>05/05/2020</a:t>
             </a:fld>
             <a:endParaRPr lang="en-GR"/>
           </a:p>
@@ -1826,7 +1833,7 @@
           <a:p>
             <a:fld id="{8D7A1666-380E-8345-B6B3-A5B8304503DF}" type="datetimeFigureOut">
               <a:rPr lang="en-GR" smtClean="0"/>
-              <a:t>4/5/20</a:t>
+              <a:t>05/05/2020</a:t>
             </a:fld>
             <a:endParaRPr lang="en-GR"/>
           </a:p>
@@ -1968,7 +1975,7 @@
           <a:p>
             <a:fld id="{8D7A1666-380E-8345-B6B3-A5B8304503DF}" type="datetimeFigureOut">
               <a:rPr lang="en-GR" smtClean="0"/>
-              <a:t>4/5/20</a:t>
+              <a:t>05/05/2020</a:t>
             </a:fld>
             <a:endParaRPr lang="en-GR"/>
           </a:p>
@@ -2081,7 +2088,7 @@
           <a:p>
             <a:fld id="{8D7A1666-380E-8345-B6B3-A5B8304503DF}" type="datetimeFigureOut">
               <a:rPr lang="en-GR" smtClean="0"/>
-              <a:t>4/5/20</a:t>
+              <a:t>05/05/2020</a:t>
             </a:fld>
             <a:endParaRPr lang="en-GR"/>
           </a:p>
@@ -2394,7 +2401,7 @@
           <a:p>
             <a:fld id="{8D7A1666-380E-8345-B6B3-A5B8304503DF}" type="datetimeFigureOut">
               <a:rPr lang="en-GR" smtClean="0"/>
-              <a:t>4/5/20</a:t>
+              <a:t>05/05/2020</a:t>
             </a:fld>
             <a:endParaRPr lang="en-GR"/>
           </a:p>
@@ -2683,7 +2690,7 @@
           <a:p>
             <a:fld id="{8D7A1666-380E-8345-B6B3-A5B8304503DF}" type="datetimeFigureOut">
               <a:rPr lang="en-GR" smtClean="0"/>
-              <a:t>4/5/20</a:t>
+              <a:t>05/05/2020</a:t>
             </a:fld>
             <a:endParaRPr lang="en-GR"/>
           </a:p>
@@ -2926,7 +2933,7 @@
           <a:p>
             <a:fld id="{8D7A1666-380E-8345-B6B3-A5B8304503DF}" type="datetimeFigureOut">
               <a:rPr lang="en-GR" smtClean="0"/>
-              <a:t>4/5/20</a:t>
+              <a:t>05/05/2020</a:t>
             </a:fld>
             <a:endParaRPr lang="en-GR"/>
           </a:p>
@@ -4218,10 +4225,3145 @@
           </a:p>
         </p:txBody>
       </p:sp>
+      <p:sp>
+        <p:nvSpPr>
+          <p:cNvPr id="2" name="TextBox 1">
+            <a:extLst>
+              <a:ext uri="{FF2B5EF4-FFF2-40B4-BE49-F238E27FC236}">
+                <a16:creationId xmlns:a16="http://schemas.microsoft.com/office/drawing/2014/main" id="{30DDC055-9876-4B65-A121-821617B11815}"/>
+              </a:ext>
+            </a:extLst>
+          </p:cNvPr>
+          <p:cNvSpPr txBox="1"/>
+          <p:nvPr/>
+        </p:nvSpPr>
+        <p:spPr>
+          <a:xfrm>
+            <a:off x="8745535" y="490359"/>
+            <a:ext cx="2827697" cy="1200329"/>
+          </a:xfrm>
+          <a:prstGeom prst="rect">
+            <a:avLst/>
+          </a:prstGeom>
+          <a:noFill/>
+        </p:spPr>
+        <p:txBody>
+          <a:bodyPr wrap="none" rtlCol="0">
+            <a:spAutoFit/>
+          </a:bodyPr>
+          <a:lstStyle/>
+          <a:p>
+            <a:pPr defTabSz="360000"/>
+            <a:r>
+              <a:rPr lang="en-US" dirty="0">
+                <a:latin typeface="Consolas" panose="020B0609020204030204" pitchFamily="49" charset="0"/>
+              </a:rPr>
+              <a:t>struct node {</a:t>
+            </a:r>
+          </a:p>
+          <a:p>
+            <a:pPr defTabSz="360000"/>
+            <a:r>
+              <a:rPr lang="en-US" dirty="0">
+                <a:latin typeface="Consolas" panose="020B0609020204030204" pitchFamily="49" charset="0"/>
+              </a:rPr>
+              <a:t>	int data;</a:t>
+            </a:r>
+          </a:p>
+          <a:p>
+            <a:pPr defTabSz="360000"/>
+            <a:r>
+              <a:rPr lang="en-US" dirty="0">
+                <a:latin typeface="Consolas" panose="020B0609020204030204" pitchFamily="49" charset="0"/>
+              </a:rPr>
+              <a:t>	struct node *next;</a:t>
+            </a:r>
+          </a:p>
+          <a:p>
+            <a:pPr defTabSz="360000"/>
+            <a:r>
+              <a:rPr lang="en-US" dirty="0">
+                <a:latin typeface="Consolas" panose="020B0609020204030204" pitchFamily="49" charset="0"/>
+              </a:rPr>
+              <a:t>};</a:t>
+            </a:r>
+            <a:endParaRPr lang="el-GR" dirty="0">
+              <a:latin typeface="Consolas" panose="020B0609020204030204" pitchFamily="49" charset="0"/>
+            </a:endParaRPr>
+          </a:p>
+        </p:txBody>
+      </p:sp>
+      <p:sp>
+        <p:nvSpPr>
+          <p:cNvPr id="3" name="Αριστερό άγκιστρο 2">
+            <a:extLst>
+              <a:ext uri="{FF2B5EF4-FFF2-40B4-BE49-F238E27FC236}">
+                <a16:creationId xmlns:a16="http://schemas.microsoft.com/office/drawing/2014/main" id="{388B5DA2-402B-472E-9E0D-379621971112}"/>
+              </a:ext>
+            </a:extLst>
+          </p:cNvPr>
+          <p:cNvSpPr/>
+          <p:nvPr/>
+        </p:nvSpPr>
+        <p:spPr>
+          <a:xfrm rot="16200000">
+            <a:off x="1384601" y="2822810"/>
+            <a:ext cx="188799" cy="1263925"/>
+          </a:xfrm>
+          <a:prstGeom prst="leftBrace">
+            <a:avLst/>
+          </a:prstGeom>
+          <a:ln w="12700">
+            <a:solidFill>
+              <a:schemeClr val="tx1"/>
+            </a:solidFill>
+          </a:ln>
+        </p:spPr>
+        <p:style>
+          <a:lnRef idx="1">
+            <a:schemeClr val="dk1"/>
+          </a:lnRef>
+          <a:fillRef idx="0">
+            <a:schemeClr val="dk1"/>
+          </a:fillRef>
+          <a:effectRef idx="0">
+            <a:schemeClr val="dk1"/>
+          </a:effectRef>
+          <a:fontRef idx="minor">
+            <a:schemeClr val="tx1"/>
+          </a:fontRef>
+        </p:style>
+        <p:txBody>
+          <a:bodyPr rtlCol="0" anchor="ctr"/>
+          <a:lstStyle/>
+          <a:p>
+            <a:pPr algn="ctr"/>
+            <a:endParaRPr lang="el-GR"/>
+          </a:p>
+        </p:txBody>
+      </p:sp>
+      <p:sp>
+        <p:nvSpPr>
+          <p:cNvPr id="27" name="Αριστερό άγκιστρο 26">
+            <a:extLst>
+              <a:ext uri="{FF2B5EF4-FFF2-40B4-BE49-F238E27FC236}">
+                <a16:creationId xmlns:a16="http://schemas.microsoft.com/office/drawing/2014/main" id="{7BB621BE-CFBC-4CB8-983F-AE34A958E8AB}"/>
+              </a:ext>
+            </a:extLst>
+          </p:cNvPr>
+          <p:cNvSpPr/>
+          <p:nvPr/>
+        </p:nvSpPr>
+        <p:spPr>
+          <a:xfrm rot="16200000">
+            <a:off x="2250337" y="3350012"/>
+            <a:ext cx="188799" cy="467546"/>
+          </a:xfrm>
+          <a:prstGeom prst="leftBrace">
+            <a:avLst/>
+          </a:prstGeom>
+          <a:ln w="12700">
+            <a:solidFill>
+              <a:schemeClr val="tx1"/>
+            </a:solidFill>
+          </a:ln>
+        </p:spPr>
+        <p:style>
+          <a:lnRef idx="1">
+            <a:schemeClr val="dk1"/>
+          </a:lnRef>
+          <a:fillRef idx="0">
+            <a:schemeClr val="dk1"/>
+          </a:fillRef>
+          <a:effectRef idx="0">
+            <a:schemeClr val="dk1"/>
+          </a:effectRef>
+          <a:fontRef idx="minor">
+            <a:schemeClr val="tx1"/>
+          </a:fontRef>
+        </p:style>
+        <p:txBody>
+          <a:bodyPr rtlCol="0" anchor="ctr"/>
+          <a:lstStyle/>
+          <a:p>
+            <a:pPr algn="ctr"/>
+            <a:endParaRPr lang="el-GR"/>
+          </a:p>
+        </p:txBody>
+      </p:sp>
+      <p:sp>
+        <p:nvSpPr>
+          <p:cNvPr id="28" name="TextBox 27">
+            <a:extLst>
+              <a:ext uri="{FF2B5EF4-FFF2-40B4-BE49-F238E27FC236}">
+                <a16:creationId xmlns:a16="http://schemas.microsoft.com/office/drawing/2014/main" id="{617DD700-0CA8-4B31-954A-C17DCCA29F46}"/>
+              </a:ext>
+            </a:extLst>
+          </p:cNvPr>
+          <p:cNvSpPr txBox="1"/>
+          <p:nvPr/>
+        </p:nvSpPr>
+        <p:spPr>
+          <a:xfrm>
+            <a:off x="1173244" y="3500237"/>
+            <a:ext cx="611514" cy="369332"/>
+          </a:xfrm>
+          <a:prstGeom prst="rect">
+            <a:avLst/>
+          </a:prstGeom>
+          <a:noFill/>
+        </p:spPr>
+        <p:txBody>
+          <a:bodyPr wrap="none" rtlCol="0">
+            <a:spAutoFit/>
+          </a:bodyPr>
+          <a:lstStyle/>
+          <a:p>
+            <a:r>
+              <a:rPr lang="en-US" dirty="0"/>
+              <a:t>data</a:t>
+            </a:r>
+            <a:endParaRPr lang="en-GR" dirty="0"/>
+          </a:p>
+        </p:txBody>
+      </p:sp>
+      <p:sp>
+        <p:nvSpPr>
+          <p:cNvPr id="29" name="TextBox 28">
+            <a:extLst>
+              <a:ext uri="{FF2B5EF4-FFF2-40B4-BE49-F238E27FC236}">
+                <a16:creationId xmlns:a16="http://schemas.microsoft.com/office/drawing/2014/main" id="{2FD259D0-6569-4FB0-810A-6CC31960D5CF}"/>
+              </a:ext>
+            </a:extLst>
+          </p:cNvPr>
+          <p:cNvSpPr txBox="1"/>
+          <p:nvPr/>
+        </p:nvSpPr>
+        <p:spPr>
+          <a:xfrm>
+            <a:off x="2038979" y="3630951"/>
+            <a:ext cx="595484" cy="369332"/>
+          </a:xfrm>
+          <a:prstGeom prst="rect">
+            <a:avLst/>
+          </a:prstGeom>
+          <a:noFill/>
+        </p:spPr>
+        <p:txBody>
+          <a:bodyPr wrap="none" rtlCol="0">
+            <a:spAutoFit/>
+          </a:bodyPr>
+          <a:lstStyle/>
+          <a:p>
+            <a:r>
+              <a:rPr lang="en-US" dirty="0"/>
+              <a:t>next</a:t>
+            </a:r>
+            <a:endParaRPr lang="en-GR" dirty="0"/>
+          </a:p>
+        </p:txBody>
+      </p:sp>
     </p:spTree>
     <p:extLst>
       <p:ext uri="{BB962C8B-B14F-4D97-AF65-F5344CB8AC3E}">
         <p14:creationId xmlns:p14="http://schemas.microsoft.com/office/powerpoint/2010/main" val="4076931687"/>
+      </p:ext>
+    </p:extLst>
+  </p:cSld>
+  <p:clrMapOvr>
+    <a:masterClrMapping/>
+  </p:clrMapOvr>
+</p:sld>
+</file>
+
+<file path=ppt/slides/slide3.xml><?xml version="1.0" encoding="utf-8"?>
+<p:sld xmlns:a="http://schemas.openxmlformats.org/drawingml/2006/main" xmlns:r="http://schemas.openxmlformats.org/officeDocument/2006/relationships" xmlns:p="http://schemas.openxmlformats.org/presentationml/2006/main">
+  <p:cSld>
+    <p:spTree>
+      <p:nvGrpSpPr>
+        <p:cNvPr id="1" name=""/>
+        <p:cNvGrpSpPr/>
+        <p:nvPr/>
+      </p:nvGrpSpPr>
+      <p:grpSpPr>
+        <a:xfrm>
+          <a:off x="0" y="0"/>
+          <a:ext cx="0" cy="0"/>
+          <a:chOff x="0" y="0"/>
+          <a:chExt cx="0" cy="0"/>
+        </a:xfrm>
+      </p:grpSpPr>
+      <p:cxnSp>
+        <p:nvCxnSpPr>
+          <p:cNvPr id="23" name="Straight Arrow Connector 22">
+            <a:extLst>
+              <a:ext uri="{FF2B5EF4-FFF2-40B4-BE49-F238E27FC236}">
+                <a16:creationId xmlns:a16="http://schemas.microsoft.com/office/drawing/2014/main" id="{56C2174E-CCC1-7C43-8D96-4F1B4655CF43}"/>
+              </a:ext>
+            </a:extLst>
+          </p:cNvPr>
+          <p:cNvCxnSpPr>
+            <a:cxnSpLocks/>
+            <a:stCxn id="59" idx="3"/>
+          </p:cNvCxnSpPr>
+          <p:nvPr/>
+        </p:nvCxnSpPr>
+        <p:spPr>
+          <a:xfrm>
+            <a:off x="10475357" y="3028612"/>
+            <a:ext cx="476277" cy="0"/>
+          </a:xfrm>
+          <a:prstGeom prst="straightConnector1">
+            <a:avLst/>
+          </a:prstGeom>
+          <a:ln w="38100">
+            <a:solidFill>
+              <a:schemeClr val="tx1"/>
+            </a:solidFill>
+            <a:tailEnd type="triangle"/>
+          </a:ln>
+        </p:spPr>
+        <p:style>
+          <a:lnRef idx="1">
+            <a:schemeClr val="dk1"/>
+          </a:lnRef>
+          <a:fillRef idx="0">
+            <a:schemeClr val="dk1"/>
+          </a:fillRef>
+          <a:effectRef idx="0">
+            <a:schemeClr val="dk1"/>
+          </a:effectRef>
+          <a:fontRef idx="minor">
+            <a:schemeClr val="tx1"/>
+          </a:fontRef>
+        </p:style>
+      </p:cxnSp>
+      <p:sp>
+        <p:nvSpPr>
+          <p:cNvPr id="24" name="TextBox 23">
+            <a:extLst>
+              <a:ext uri="{FF2B5EF4-FFF2-40B4-BE49-F238E27FC236}">
+                <a16:creationId xmlns:a16="http://schemas.microsoft.com/office/drawing/2014/main" id="{1FEF760F-187E-6E47-8414-D2E32D4A132C}"/>
+              </a:ext>
+            </a:extLst>
+          </p:cNvPr>
+          <p:cNvSpPr txBox="1"/>
+          <p:nvPr/>
+        </p:nvSpPr>
+        <p:spPr>
+          <a:xfrm>
+            <a:off x="10927986" y="2843946"/>
+            <a:ext cx="676788" cy="369332"/>
+          </a:xfrm>
+          <a:prstGeom prst="rect">
+            <a:avLst/>
+          </a:prstGeom>
+          <a:noFill/>
+        </p:spPr>
+        <p:txBody>
+          <a:bodyPr wrap="none" rtlCol="0">
+            <a:spAutoFit/>
+          </a:bodyPr>
+          <a:lstStyle/>
+          <a:p>
+            <a:r>
+              <a:rPr lang="en-GR" b="1" dirty="0"/>
+              <a:t>NULL</a:t>
+            </a:r>
+          </a:p>
+        </p:txBody>
+      </p:sp>
+      <p:sp>
+        <p:nvSpPr>
+          <p:cNvPr id="25" name="TextBox 24">
+            <a:extLst>
+              <a:ext uri="{FF2B5EF4-FFF2-40B4-BE49-F238E27FC236}">
+                <a16:creationId xmlns:a16="http://schemas.microsoft.com/office/drawing/2014/main" id="{B5762EA7-0EBA-5946-A8D7-0496E1597B7D}"/>
+              </a:ext>
+            </a:extLst>
+          </p:cNvPr>
+          <p:cNvSpPr txBox="1"/>
+          <p:nvPr/>
+        </p:nvSpPr>
+        <p:spPr>
+          <a:xfrm>
+            <a:off x="1440537" y="1941812"/>
+            <a:ext cx="660758" cy="369332"/>
+          </a:xfrm>
+          <a:prstGeom prst="rect">
+            <a:avLst/>
+          </a:prstGeom>
+          <a:noFill/>
+        </p:spPr>
+        <p:txBody>
+          <a:bodyPr wrap="none" rtlCol="0">
+            <a:spAutoFit/>
+          </a:bodyPr>
+          <a:lstStyle/>
+          <a:p>
+            <a:r>
+              <a:rPr lang="en-GR" b="1" dirty="0"/>
+              <a:t>head</a:t>
+            </a:r>
+          </a:p>
+        </p:txBody>
+      </p:sp>
+      <p:cxnSp>
+        <p:nvCxnSpPr>
+          <p:cNvPr id="26" name="Straight Arrow Connector 25">
+            <a:extLst>
+              <a:ext uri="{FF2B5EF4-FFF2-40B4-BE49-F238E27FC236}">
+                <a16:creationId xmlns:a16="http://schemas.microsoft.com/office/drawing/2014/main" id="{9F2064EB-22BF-7D40-8A02-FFB494173D15}"/>
+              </a:ext>
+            </a:extLst>
+          </p:cNvPr>
+          <p:cNvCxnSpPr>
+            <a:cxnSpLocks/>
+            <a:stCxn id="25" idx="2"/>
+            <a:endCxn id="4" idx="0"/>
+          </p:cNvCxnSpPr>
+          <p:nvPr/>
+        </p:nvCxnSpPr>
+        <p:spPr>
+          <a:xfrm flipH="1">
+            <a:off x="1767659" y="2311144"/>
+            <a:ext cx="3257" cy="437245"/>
+          </a:xfrm>
+          <a:prstGeom prst="straightConnector1">
+            <a:avLst/>
+          </a:prstGeom>
+          <a:ln w="38100">
+            <a:solidFill>
+              <a:schemeClr val="tx1"/>
+            </a:solidFill>
+            <a:tailEnd type="triangle"/>
+          </a:ln>
+        </p:spPr>
+        <p:style>
+          <a:lnRef idx="1">
+            <a:schemeClr val="dk1"/>
+          </a:lnRef>
+          <a:fillRef idx="0">
+            <a:schemeClr val="dk1"/>
+          </a:fillRef>
+          <a:effectRef idx="0">
+            <a:schemeClr val="dk1"/>
+          </a:effectRef>
+          <a:fontRef idx="minor">
+            <a:schemeClr val="tx1"/>
+          </a:fontRef>
+        </p:style>
+      </p:cxnSp>
+      <p:sp>
+        <p:nvSpPr>
+          <p:cNvPr id="30" name="Title 29">
+            <a:extLst>
+              <a:ext uri="{FF2B5EF4-FFF2-40B4-BE49-F238E27FC236}">
+                <a16:creationId xmlns:a16="http://schemas.microsoft.com/office/drawing/2014/main" id="{C7FBFA60-8624-B14A-B7BB-4EFA03B26ADC}"/>
+              </a:ext>
+            </a:extLst>
+          </p:cNvPr>
+          <p:cNvSpPr>
+            <a:spLocks noGrp="1"/>
+          </p:cNvSpPr>
+          <p:nvPr>
+            <p:ph type="title"/>
+          </p:nvPr>
+        </p:nvSpPr>
+        <p:spPr/>
+        <p:txBody>
+          <a:bodyPr/>
+          <a:lstStyle/>
+          <a:p>
+            <a:r>
+              <a:rPr lang="el-GR" dirty="0"/>
+              <a:t>Διπλά συνδεδεμένη λίστα</a:t>
+            </a:r>
+            <a:endParaRPr lang="en-GR" dirty="0"/>
+          </a:p>
+        </p:txBody>
+      </p:sp>
+      <p:grpSp>
+        <p:nvGrpSpPr>
+          <p:cNvPr id="6" name="Group 5">
+            <a:extLst>
+              <a:ext uri="{FF2B5EF4-FFF2-40B4-BE49-F238E27FC236}">
+                <a16:creationId xmlns:a16="http://schemas.microsoft.com/office/drawing/2014/main" id="{6B4C401D-08D7-3742-94C2-84A626439D46}"/>
+              </a:ext>
+            </a:extLst>
+          </p:cNvPr>
+          <p:cNvGrpSpPr/>
+          <p:nvPr/>
+        </p:nvGrpSpPr>
+        <p:grpSpPr>
+          <a:xfrm>
+            <a:off x="1134534" y="2748388"/>
+            <a:ext cx="1740310" cy="560440"/>
+            <a:chOff x="1327355" y="3148779"/>
+            <a:chExt cx="1976284" cy="560440"/>
+          </a:xfrm>
+        </p:grpSpPr>
+        <p:sp>
+          <p:nvSpPr>
+            <p:cNvPr id="4" name="Rectangle 3">
+              <a:extLst>
+                <a:ext uri="{FF2B5EF4-FFF2-40B4-BE49-F238E27FC236}">
+                  <a16:creationId xmlns:a16="http://schemas.microsoft.com/office/drawing/2014/main" id="{DC391EF6-F6E6-D146-BAF2-671CE266126A}"/>
+                </a:ext>
+              </a:extLst>
+            </p:cNvPr>
+            <p:cNvSpPr/>
+            <p:nvPr/>
+          </p:nvSpPr>
+          <p:spPr>
+            <a:xfrm>
+              <a:off x="1327355" y="3148780"/>
+              <a:ext cx="1437945" cy="560439"/>
+            </a:xfrm>
+            <a:prstGeom prst="rect">
+              <a:avLst/>
+            </a:prstGeom>
+          </p:spPr>
+          <p:style>
+            <a:lnRef idx="2">
+              <a:schemeClr val="dk1"/>
+            </a:lnRef>
+            <a:fillRef idx="1">
+              <a:schemeClr val="lt1"/>
+            </a:fillRef>
+            <a:effectRef idx="0">
+              <a:schemeClr val="dk1"/>
+            </a:effectRef>
+            <a:fontRef idx="minor">
+              <a:schemeClr val="dk1"/>
+            </a:fontRef>
+          </p:style>
+          <p:txBody>
+            <a:bodyPr rtlCol="0" anchor="ctr"/>
+            <a:lstStyle/>
+            <a:p>
+              <a:pPr algn="ctr"/>
+              <a:r>
+                <a:rPr lang="en-GR" dirty="0"/>
+                <a:t>17</a:t>
+              </a:r>
+            </a:p>
+          </p:txBody>
+        </p:sp>
+        <p:sp>
+          <p:nvSpPr>
+            <p:cNvPr id="5" name="Rectangle 4">
+              <a:extLst>
+                <a:ext uri="{FF2B5EF4-FFF2-40B4-BE49-F238E27FC236}">
+                  <a16:creationId xmlns:a16="http://schemas.microsoft.com/office/drawing/2014/main" id="{FDA0ADA0-C6BD-A64A-BA99-44C198473DB6}"/>
+                </a:ext>
+              </a:extLst>
+            </p:cNvPr>
+            <p:cNvSpPr/>
+            <p:nvPr/>
+          </p:nvSpPr>
+          <p:spPr>
+            <a:xfrm>
+              <a:off x="2772697" y="3148779"/>
+              <a:ext cx="530942" cy="560439"/>
+            </a:xfrm>
+            <a:prstGeom prst="rect">
+              <a:avLst/>
+            </a:prstGeom>
+            <a:solidFill>
+              <a:schemeClr val="bg1">
+                <a:lumMod val="85000"/>
+              </a:schemeClr>
+            </a:solidFill>
+          </p:spPr>
+          <p:style>
+            <a:lnRef idx="2">
+              <a:schemeClr val="dk1"/>
+            </a:lnRef>
+            <a:fillRef idx="1">
+              <a:schemeClr val="lt1"/>
+            </a:fillRef>
+            <a:effectRef idx="0">
+              <a:schemeClr val="dk1"/>
+            </a:effectRef>
+            <a:fontRef idx="minor">
+              <a:schemeClr val="dk1"/>
+            </a:fontRef>
+          </p:style>
+          <p:txBody>
+            <a:bodyPr rtlCol="0" anchor="ctr"/>
+            <a:lstStyle/>
+            <a:p>
+              <a:pPr algn="ctr"/>
+              <a:endParaRPr lang="en-GR"/>
+            </a:p>
+          </p:txBody>
+        </p:sp>
+      </p:grpSp>
+      <p:sp>
+        <p:nvSpPr>
+          <p:cNvPr id="27" name="Rectangle 4">
+            <a:extLst>
+              <a:ext uri="{FF2B5EF4-FFF2-40B4-BE49-F238E27FC236}">
+                <a16:creationId xmlns:a16="http://schemas.microsoft.com/office/drawing/2014/main" id="{1481337E-4BE0-4844-87DD-2EEF06455980}"/>
+              </a:ext>
+            </a:extLst>
+          </p:cNvPr>
+          <p:cNvSpPr/>
+          <p:nvPr/>
+        </p:nvSpPr>
+        <p:spPr>
+          <a:xfrm>
+            <a:off x="660474" y="2748174"/>
+            <a:ext cx="467546" cy="560439"/>
+          </a:xfrm>
+          <a:prstGeom prst="rect">
+            <a:avLst/>
+          </a:prstGeom>
+          <a:solidFill>
+            <a:schemeClr val="bg1">
+              <a:lumMod val="85000"/>
+            </a:schemeClr>
+          </a:solidFill>
+        </p:spPr>
+        <p:style>
+          <a:lnRef idx="2">
+            <a:schemeClr val="dk1"/>
+          </a:lnRef>
+          <a:fillRef idx="1">
+            <a:schemeClr val="lt1"/>
+          </a:fillRef>
+          <a:effectRef idx="0">
+            <a:schemeClr val="dk1"/>
+          </a:effectRef>
+          <a:fontRef idx="minor">
+            <a:schemeClr val="dk1"/>
+          </a:fontRef>
+        </p:style>
+        <p:txBody>
+          <a:bodyPr rtlCol="0" anchor="ctr"/>
+          <a:lstStyle/>
+          <a:p>
+            <a:pPr algn="ctr"/>
+            <a:endParaRPr lang="en-GR"/>
+          </a:p>
+        </p:txBody>
+      </p:sp>
+      <p:grpSp>
+        <p:nvGrpSpPr>
+          <p:cNvPr id="40" name="Ομάδα 39">
+            <a:extLst>
+              <a:ext uri="{FF2B5EF4-FFF2-40B4-BE49-F238E27FC236}">
+                <a16:creationId xmlns:a16="http://schemas.microsoft.com/office/drawing/2014/main" id="{CCFCB178-FA33-4BD5-91BF-AF34E12F8888}"/>
+              </a:ext>
+            </a:extLst>
+          </p:cNvPr>
+          <p:cNvGrpSpPr/>
+          <p:nvPr/>
+        </p:nvGrpSpPr>
+        <p:grpSpPr>
+          <a:xfrm>
+            <a:off x="3191807" y="2748389"/>
+            <a:ext cx="2214370" cy="560441"/>
+            <a:chOff x="3227083" y="4522001"/>
+            <a:chExt cx="2214370" cy="560441"/>
+          </a:xfrm>
+        </p:grpSpPr>
+        <p:grpSp>
+          <p:nvGrpSpPr>
+            <p:cNvPr id="35" name="Group 5">
+              <a:extLst>
+                <a:ext uri="{FF2B5EF4-FFF2-40B4-BE49-F238E27FC236}">
+                  <a16:creationId xmlns:a16="http://schemas.microsoft.com/office/drawing/2014/main" id="{E595E1DF-1D0B-4850-96CB-3737E9F600A2}"/>
+                </a:ext>
+              </a:extLst>
+            </p:cNvPr>
+            <p:cNvGrpSpPr/>
+            <p:nvPr/>
+          </p:nvGrpSpPr>
+          <p:grpSpPr>
+            <a:xfrm>
+              <a:off x="3701143" y="4522002"/>
+              <a:ext cx="1740310" cy="560440"/>
+              <a:chOff x="1327355" y="3148779"/>
+              <a:chExt cx="1976284" cy="560440"/>
+            </a:xfrm>
+          </p:grpSpPr>
+          <p:sp>
+            <p:nvSpPr>
+              <p:cNvPr id="37" name="Rectangle 3">
+                <a:extLst>
+                  <a:ext uri="{FF2B5EF4-FFF2-40B4-BE49-F238E27FC236}">
+                    <a16:creationId xmlns:a16="http://schemas.microsoft.com/office/drawing/2014/main" id="{3387DCBF-40AA-4930-92D5-4231888E0AC7}"/>
+                  </a:ext>
+                </a:extLst>
+              </p:cNvPr>
+              <p:cNvSpPr/>
+              <p:nvPr/>
+            </p:nvSpPr>
+            <p:spPr>
+              <a:xfrm>
+                <a:off x="1327355" y="3148780"/>
+                <a:ext cx="1437945" cy="560439"/>
+              </a:xfrm>
+              <a:prstGeom prst="rect">
+                <a:avLst/>
+              </a:prstGeom>
+            </p:spPr>
+            <p:style>
+              <a:lnRef idx="2">
+                <a:schemeClr val="dk1"/>
+              </a:lnRef>
+              <a:fillRef idx="1">
+                <a:schemeClr val="lt1"/>
+              </a:fillRef>
+              <a:effectRef idx="0">
+                <a:schemeClr val="dk1"/>
+              </a:effectRef>
+              <a:fontRef idx="minor">
+                <a:schemeClr val="dk1"/>
+              </a:fontRef>
+            </p:style>
+            <p:txBody>
+              <a:bodyPr rtlCol="0" anchor="ctr"/>
+              <a:lstStyle/>
+              <a:p>
+                <a:pPr algn="ctr"/>
+                <a:r>
+                  <a:rPr lang="el-GR" dirty="0"/>
+                  <a:t>21</a:t>
+                </a:r>
+                <a:endParaRPr lang="en-GR" dirty="0"/>
+              </a:p>
+            </p:txBody>
+          </p:sp>
+          <p:sp>
+            <p:nvSpPr>
+              <p:cNvPr id="38" name="Rectangle 4">
+                <a:extLst>
+                  <a:ext uri="{FF2B5EF4-FFF2-40B4-BE49-F238E27FC236}">
+                    <a16:creationId xmlns:a16="http://schemas.microsoft.com/office/drawing/2014/main" id="{8E996745-F786-49A1-8B58-1C9E88C6420A}"/>
+                  </a:ext>
+                </a:extLst>
+              </p:cNvPr>
+              <p:cNvSpPr/>
+              <p:nvPr/>
+            </p:nvSpPr>
+            <p:spPr>
+              <a:xfrm>
+                <a:off x="2772697" y="3148779"/>
+                <a:ext cx="530942" cy="560439"/>
+              </a:xfrm>
+              <a:prstGeom prst="rect">
+                <a:avLst/>
+              </a:prstGeom>
+              <a:solidFill>
+                <a:schemeClr val="bg1">
+                  <a:lumMod val="85000"/>
+                </a:schemeClr>
+              </a:solidFill>
+            </p:spPr>
+            <p:style>
+              <a:lnRef idx="2">
+                <a:schemeClr val="dk1"/>
+              </a:lnRef>
+              <a:fillRef idx="1">
+                <a:schemeClr val="lt1"/>
+              </a:fillRef>
+              <a:effectRef idx="0">
+                <a:schemeClr val="dk1"/>
+              </a:effectRef>
+              <a:fontRef idx="minor">
+                <a:schemeClr val="dk1"/>
+              </a:fontRef>
+            </p:style>
+            <p:txBody>
+              <a:bodyPr rtlCol="0" anchor="ctr"/>
+              <a:lstStyle/>
+              <a:p>
+                <a:pPr algn="ctr"/>
+                <a:endParaRPr lang="en-GR"/>
+              </a:p>
+            </p:txBody>
+          </p:sp>
+        </p:grpSp>
+        <p:sp>
+          <p:nvSpPr>
+            <p:cNvPr id="36" name="Rectangle 4">
+              <a:extLst>
+                <a:ext uri="{FF2B5EF4-FFF2-40B4-BE49-F238E27FC236}">
+                  <a16:creationId xmlns:a16="http://schemas.microsoft.com/office/drawing/2014/main" id="{502F0E30-8C6C-495A-B833-3A66AA3B1FE3}"/>
+                </a:ext>
+              </a:extLst>
+            </p:cNvPr>
+            <p:cNvSpPr/>
+            <p:nvPr/>
+          </p:nvSpPr>
+          <p:spPr>
+            <a:xfrm>
+              <a:off x="3227083" y="4522001"/>
+              <a:ext cx="467546" cy="560439"/>
+            </a:xfrm>
+            <a:prstGeom prst="rect">
+              <a:avLst/>
+            </a:prstGeom>
+            <a:solidFill>
+              <a:schemeClr val="bg1">
+                <a:lumMod val="85000"/>
+              </a:schemeClr>
+            </a:solidFill>
+          </p:spPr>
+          <p:style>
+            <a:lnRef idx="2">
+              <a:schemeClr val="dk1"/>
+            </a:lnRef>
+            <a:fillRef idx="1">
+              <a:schemeClr val="lt1"/>
+            </a:fillRef>
+            <a:effectRef idx="0">
+              <a:schemeClr val="dk1"/>
+            </a:effectRef>
+            <a:fontRef idx="minor">
+              <a:schemeClr val="dk1"/>
+            </a:fontRef>
+          </p:style>
+          <p:txBody>
+            <a:bodyPr rtlCol="0" anchor="ctr"/>
+            <a:lstStyle/>
+            <a:p>
+              <a:pPr algn="ctr"/>
+              <a:endParaRPr lang="en-GR"/>
+            </a:p>
+          </p:txBody>
+        </p:sp>
+      </p:grpSp>
+      <p:cxnSp>
+        <p:nvCxnSpPr>
+          <p:cNvPr id="19" name="Γραμμή σύνδεσης: Γωνιώδης 18">
+            <a:extLst>
+              <a:ext uri="{FF2B5EF4-FFF2-40B4-BE49-F238E27FC236}">
+                <a16:creationId xmlns:a16="http://schemas.microsoft.com/office/drawing/2014/main" id="{F6533316-6A26-4FC6-A9AE-5DBBCF160CCD}"/>
+              </a:ext>
+            </a:extLst>
+          </p:cNvPr>
+          <p:cNvCxnSpPr>
+            <a:cxnSpLocks/>
+            <a:stCxn id="5" idx="3"/>
+            <a:endCxn id="37" idx="0"/>
+          </p:cNvCxnSpPr>
+          <p:nvPr/>
+        </p:nvCxnSpPr>
+        <p:spPr>
+          <a:xfrm flipV="1">
+            <a:off x="2874844" y="2748391"/>
+            <a:ext cx="1424148" cy="280217"/>
+          </a:xfrm>
+          <a:prstGeom prst="bentConnector4">
+            <a:avLst>
+              <a:gd name="adj1" fmla="val 12612"/>
+              <a:gd name="adj2" fmla="val 181581"/>
+            </a:avLst>
+          </a:prstGeom>
+          <a:ln w="38100">
+            <a:tailEnd type="triangle"/>
+          </a:ln>
+        </p:spPr>
+        <p:style>
+          <a:lnRef idx="1">
+            <a:schemeClr val="dk1"/>
+          </a:lnRef>
+          <a:fillRef idx="0">
+            <a:schemeClr val="dk1"/>
+          </a:fillRef>
+          <a:effectRef idx="0">
+            <a:schemeClr val="dk1"/>
+          </a:effectRef>
+          <a:fontRef idx="minor">
+            <a:schemeClr val="tx1"/>
+          </a:fontRef>
+        </p:style>
+      </p:cxnSp>
+      <p:grpSp>
+        <p:nvGrpSpPr>
+          <p:cNvPr id="44" name="Ομάδα 43">
+            <a:extLst>
+              <a:ext uri="{FF2B5EF4-FFF2-40B4-BE49-F238E27FC236}">
+                <a16:creationId xmlns:a16="http://schemas.microsoft.com/office/drawing/2014/main" id="{FBA0DF44-B711-49D9-BFEE-DAA50875C902}"/>
+              </a:ext>
+            </a:extLst>
+          </p:cNvPr>
+          <p:cNvGrpSpPr/>
+          <p:nvPr/>
+        </p:nvGrpSpPr>
+        <p:grpSpPr>
+          <a:xfrm>
+            <a:off x="5723140" y="2748389"/>
+            <a:ext cx="2214370" cy="560441"/>
+            <a:chOff x="3227083" y="4522001"/>
+            <a:chExt cx="2214370" cy="560441"/>
+          </a:xfrm>
+        </p:grpSpPr>
+        <p:grpSp>
+          <p:nvGrpSpPr>
+            <p:cNvPr id="45" name="Group 5">
+              <a:extLst>
+                <a:ext uri="{FF2B5EF4-FFF2-40B4-BE49-F238E27FC236}">
+                  <a16:creationId xmlns:a16="http://schemas.microsoft.com/office/drawing/2014/main" id="{473262B6-15B9-4A63-B698-EE6CB18010AD}"/>
+                </a:ext>
+              </a:extLst>
+            </p:cNvPr>
+            <p:cNvGrpSpPr/>
+            <p:nvPr/>
+          </p:nvGrpSpPr>
+          <p:grpSpPr>
+            <a:xfrm>
+              <a:off x="3701143" y="4522002"/>
+              <a:ext cx="1740310" cy="560440"/>
+              <a:chOff x="1327355" y="3148779"/>
+              <a:chExt cx="1976284" cy="560440"/>
+            </a:xfrm>
+          </p:grpSpPr>
+          <p:sp>
+            <p:nvSpPr>
+              <p:cNvPr id="47" name="Rectangle 3">
+                <a:extLst>
+                  <a:ext uri="{FF2B5EF4-FFF2-40B4-BE49-F238E27FC236}">
+                    <a16:creationId xmlns:a16="http://schemas.microsoft.com/office/drawing/2014/main" id="{31F3D4E8-A1CA-4885-A63D-2B877046D3F8}"/>
+                  </a:ext>
+                </a:extLst>
+              </p:cNvPr>
+              <p:cNvSpPr/>
+              <p:nvPr/>
+            </p:nvSpPr>
+            <p:spPr>
+              <a:xfrm>
+                <a:off x="1327355" y="3148780"/>
+                <a:ext cx="1437945" cy="560439"/>
+              </a:xfrm>
+              <a:prstGeom prst="rect">
+                <a:avLst/>
+              </a:prstGeom>
+            </p:spPr>
+            <p:style>
+              <a:lnRef idx="2">
+                <a:schemeClr val="dk1"/>
+              </a:lnRef>
+              <a:fillRef idx="1">
+                <a:schemeClr val="lt1"/>
+              </a:fillRef>
+              <a:effectRef idx="0">
+                <a:schemeClr val="dk1"/>
+              </a:effectRef>
+              <a:fontRef idx="minor">
+                <a:schemeClr val="dk1"/>
+              </a:fontRef>
+            </p:style>
+            <p:txBody>
+              <a:bodyPr rtlCol="0" anchor="ctr"/>
+              <a:lstStyle/>
+              <a:p>
+                <a:pPr algn="ctr"/>
+                <a:r>
+                  <a:rPr lang="en-GR" dirty="0"/>
+                  <a:t>1</a:t>
+                </a:r>
+                <a:r>
+                  <a:rPr lang="el-GR" dirty="0"/>
+                  <a:t>6</a:t>
+                </a:r>
+                <a:endParaRPr lang="en-GR" dirty="0"/>
+              </a:p>
+            </p:txBody>
+          </p:sp>
+          <p:sp>
+            <p:nvSpPr>
+              <p:cNvPr id="48" name="Rectangle 4">
+                <a:extLst>
+                  <a:ext uri="{FF2B5EF4-FFF2-40B4-BE49-F238E27FC236}">
+                    <a16:creationId xmlns:a16="http://schemas.microsoft.com/office/drawing/2014/main" id="{876C6083-6EC0-4C2C-A2BE-72B4855CBE61}"/>
+                  </a:ext>
+                </a:extLst>
+              </p:cNvPr>
+              <p:cNvSpPr/>
+              <p:nvPr/>
+            </p:nvSpPr>
+            <p:spPr>
+              <a:xfrm>
+                <a:off x="2772697" y="3148779"/>
+                <a:ext cx="530942" cy="560439"/>
+              </a:xfrm>
+              <a:prstGeom prst="rect">
+                <a:avLst/>
+              </a:prstGeom>
+              <a:solidFill>
+                <a:schemeClr val="bg1">
+                  <a:lumMod val="85000"/>
+                </a:schemeClr>
+              </a:solidFill>
+            </p:spPr>
+            <p:style>
+              <a:lnRef idx="2">
+                <a:schemeClr val="dk1"/>
+              </a:lnRef>
+              <a:fillRef idx="1">
+                <a:schemeClr val="lt1"/>
+              </a:fillRef>
+              <a:effectRef idx="0">
+                <a:schemeClr val="dk1"/>
+              </a:effectRef>
+              <a:fontRef idx="minor">
+                <a:schemeClr val="dk1"/>
+              </a:fontRef>
+            </p:style>
+            <p:txBody>
+              <a:bodyPr rtlCol="0" anchor="ctr"/>
+              <a:lstStyle/>
+              <a:p>
+                <a:pPr algn="ctr"/>
+                <a:endParaRPr lang="en-GR"/>
+              </a:p>
+            </p:txBody>
+          </p:sp>
+        </p:grpSp>
+        <p:sp>
+          <p:nvSpPr>
+            <p:cNvPr id="46" name="Rectangle 4">
+              <a:extLst>
+                <a:ext uri="{FF2B5EF4-FFF2-40B4-BE49-F238E27FC236}">
+                  <a16:creationId xmlns:a16="http://schemas.microsoft.com/office/drawing/2014/main" id="{717DE4EC-BFD0-4B03-ADF0-914AF3E344D9}"/>
+                </a:ext>
+              </a:extLst>
+            </p:cNvPr>
+            <p:cNvSpPr/>
+            <p:nvPr/>
+          </p:nvSpPr>
+          <p:spPr>
+            <a:xfrm>
+              <a:off x="3227083" y="4522001"/>
+              <a:ext cx="467546" cy="560439"/>
+            </a:xfrm>
+            <a:prstGeom prst="rect">
+              <a:avLst/>
+            </a:prstGeom>
+            <a:solidFill>
+              <a:schemeClr val="bg1">
+                <a:lumMod val="85000"/>
+              </a:schemeClr>
+            </a:solidFill>
+          </p:spPr>
+          <p:style>
+            <a:lnRef idx="2">
+              <a:schemeClr val="dk1"/>
+            </a:lnRef>
+            <a:fillRef idx="1">
+              <a:schemeClr val="lt1"/>
+            </a:fillRef>
+            <a:effectRef idx="0">
+              <a:schemeClr val="dk1"/>
+            </a:effectRef>
+            <a:fontRef idx="minor">
+              <a:schemeClr val="dk1"/>
+            </a:fontRef>
+          </p:style>
+          <p:txBody>
+            <a:bodyPr rtlCol="0" anchor="ctr"/>
+            <a:lstStyle/>
+            <a:p>
+              <a:pPr algn="ctr"/>
+              <a:endParaRPr lang="en-GR"/>
+            </a:p>
+          </p:txBody>
+        </p:sp>
+      </p:grpSp>
+      <p:cxnSp>
+        <p:nvCxnSpPr>
+          <p:cNvPr id="49" name="Γραμμή σύνδεσης: Γωνιώδης 48">
+            <a:extLst>
+              <a:ext uri="{FF2B5EF4-FFF2-40B4-BE49-F238E27FC236}">
+                <a16:creationId xmlns:a16="http://schemas.microsoft.com/office/drawing/2014/main" id="{601CACF7-FD34-4F73-9DEC-A673B60439CD}"/>
+              </a:ext>
+            </a:extLst>
+          </p:cNvPr>
+          <p:cNvCxnSpPr>
+            <a:cxnSpLocks/>
+            <a:stCxn id="38" idx="3"/>
+            <a:endCxn id="47" idx="0"/>
+          </p:cNvCxnSpPr>
+          <p:nvPr/>
+        </p:nvCxnSpPr>
+        <p:spPr>
+          <a:xfrm flipV="1">
+            <a:off x="5406177" y="2748391"/>
+            <a:ext cx="1424148" cy="280219"/>
+          </a:xfrm>
+          <a:prstGeom prst="bentConnector4">
+            <a:avLst>
+              <a:gd name="adj1" fmla="val 14098"/>
+              <a:gd name="adj2" fmla="val 181579"/>
+            </a:avLst>
+          </a:prstGeom>
+          <a:ln w="38100">
+            <a:tailEnd type="triangle"/>
+          </a:ln>
+        </p:spPr>
+        <p:style>
+          <a:lnRef idx="1">
+            <a:schemeClr val="dk1"/>
+          </a:lnRef>
+          <a:fillRef idx="0">
+            <a:schemeClr val="dk1"/>
+          </a:fillRef>
+          <a:effectRef idx="0">
+            <a:schemeClr val="dk1"/>
+          </a:effectRef>
+          <a:fontRef idx="minor">
+            <a:schemeClr val="tx1"/>
+          </a:fontRef>
+        </p:style>
+      </p:cxnSp>
+      <p:cxnSp>
+        <p:nvCxnSpPr>
+          <p:cNvPr id="54" name="Γραμμή σύνδεσης: Γωνιώδης 53">
+            <a:extLst>
+              <a:ext uri="{FF2B5EF4-FFF2-40B4-BE49-F238E27FC236}">
+                <a16:creationId xmlns:a16="http://schemas.microsoft.com/office/drawing/2014/main" id="{51631377-4AC6-4947-A901-84B6674547C4}"/>
+              </a:ext>
+            </a:extLst>
+          </p:cNvPr>
+          <p:cNvCxnSpPr>
+            <a:cxnSpLocks/>
+            <a:endCxn id="58" idx="0"/>
+          </p:cNvCxnSpPr>
+          <p:nvPr/>
+        </p:nvCxnSpPr>
+        <p:spPr>
+          <a:xfrm flipV="1">
+            <a:off x="7944024" y="2748393"/>
+            <a:ext cx="1424148" cy="280216"/>
+          </a:xfrm>
+          <a:prstGeom prst="bentConnector4">
+            <a:avLst>
+              <a:gd name="adj1" fmla="val 10829"/>
+              <a:gd name="adj2" fmla="val 181580"/>
+            </a:avLst>
+          </a:prstGeom>
+          <a:ln w="38100">
+            <a:tailEnd type="triangle"/>
+          </a:ln>
+        </p:spPr>
+        <p:style>
+          <a:lnRef idx="1">
+            <a:schemeClr val="dk1"/>
+          </a:lnRef>
+          <a:fillRef idx="0">
+            <a:schemeClr val="dk1"/>
+          </a:fillRef>
+          <a:effectRef idx="0">
+            <a:schemeClr val="dk1"/>
+          </a:effectRef>
+          <a:fontRef idx="minor">
+            <a:schemeClr val="tx1"/>
+          </a:fontRef>
+        </p:style>
+      </p:cxnSp>
+      <p:grpSp>
+        <p:nvGrpSpPr>
+          <p:cNvPr id="55" name="Ομάδα 54">
+            <a:extLst>
+              <a:ext uri="{FF2B5EF4-FFF2-40B4-BE49-F238E27FC236}">
+                <a16:creationId xmlns:a16="http://schemas.microsoft.com/office/drawing/2014/main" id="{A9F36EAE-7AB1-4EB2-9D47-8CDB19A46928}"/>
+              </a:ext>
+            </a:extLst>
+          </p:cNvPr>
+          <p:cNvGrpSpPr/>
+          <p:nvPr/>
+        </p:nvGrpSpPr>
+        <p:grpSpPr>
+          <a:xfrm>
+            <a:off x="8260987" y="2748391"/>
+            <a:ext cx="2214370" cy="560441"/>
+            <a:chOff x="3227083" y="4522001"/>
+            <a:chExt cx="2214370" cy="560441"/>
+          </a:xfrm>
+        </p:grpSpPr>
+        <p:grpSp>
+          <p:nvGrpSpPr>
+            <p:cNvPr id="56" name="Group 5">
+              <a:extLst>
+                <a:ext uri="{FF2B5EF4-FFF2-40B4-BE49-F238E27FC236}">
+                  <a16:creationId xmlns:a16="http://schemas.microsoft.com/office/drawing/2014/main" id="{42BBC0B7-10C0-45B1-A154-F988BB77EDB0}"/>
+                </a:ext>
+              </a:extLst>
+            </p:cNvPr>
+            <p:cNvGrpSpPr/>
+            <p:nvPr/>
+          </p:nvGrpSpPr>
+          <p:grpSpPr>
+            <a:xfrm>
+              <a:off x="3701143" y="4522002"/>
+              <a:ext cx="1740310" cy="560440"/>
+              <a:chOff x="1327355" y="3148779"/>
+              <a:chExt cx="1976284" cy="560440"/>
+            </a:xfrm>
+          </p:grpSpPr>
+          <p:sp>
+            <p:nvSpPr>
+              <p:cNvPr id="58" name="Rectangle 3">
+                <a:extLst>
+                  <a:ext uri="{FF2B5EF4-FFF2-40B4-BE49-F238E27FC236}">
+                    <a16:creationId xmlns:a16="http://schemas.microsoft.com/office/drawing/2014/main" id="{6248A17A-DAE5-4BC3-AAEF-C3DB6F11E55F}"/>
+                  </a:ext>
+                </a:extLst>
+              </p:cNvPr>
+              <p:cNvSpPr/>
+              <p:nvPr/>
+            </p:nvSpPr>
+            <p:spPr>
+              <a:xfrm>
+                <a:off x="1327355" y="3148780"/>
+                <a:ext cx="1437945" cy="560439"/>
+              </a:xfrm>
+              <a:prstGeom prst="rect">
+                <a:avLst/>
+              </a:prstGeom>
+            </p:spPr>
+            <p:style>
+              <a:lnRef idx="2">
+                <a:schemeClr val="dk1"/>
+              </a:lnRef>
+              <a:fillRef idx="1">
+                <a:schemeClr val="lt1"/>
+              </a:fillRef>
+              <a:effectRef idx="0">
+                <a:schemeClr val="dk1"/>
+              </a:effectRef>
+              <a:fontRef idx="minor">
+                <a:schemeClr val="dk1"/>
+              </a:fontRef>
+            </p:style>
+            <p:txBody>
+              <a:bodyPr rtlCol="0" anchor="ctr"/>
+              <a:lstStyle/>
+              <a:p>
+                <a:pPr algn="ctr"/>
+                <a:r>
+                  <a:rPr lang="el-GR" dirty="0"/>
+                  <a:t>52</a:t>
+                </a:r>
+                <a:endParaRPr lang="en-GR" dirty="0"/>
+              </a:p>
+            </p:txBody>
+          </p:sp>
+          <p:sp>
+            <p:nvSpPr>
+              <p:cNvPr id="59" name="Rectangle 4">
+                <a:extLst>
+                  <a:ext uri="{FF2B5EF4-FFF2-40B4-BE49-F238E27FC236}">
+                    <a16:creationId xmlns:a16="http://schemas.microsoft.com/office/drawing/2014/main" id="{D01A386C-DD87-4A3E-82F0-FCFAEB6FB777}"/>
+                  </a:ext>
+                </a:extLst>
+              </p:cNvPr>
+              <p:cNvSpPr/>
+              <p:nvPr/>
+            </p:nvSpPr>
+            <p:spPr>
+              <a:xfrm>
+                <a:off x="2772697" y="3148779"/>
+                <a:ext cx="530942" cy="560439"/>
+              </a:xfrm>
+              <a:prstGeom prst="rect">
+                <a:avLst/>
+              </a:prstGeom>
+              <a:solidFill>
+                <a:schemeClr val="bg1">
+                  <a:lumMod val="85000"/>
+                </a:schemeClr>
+              </a:solidFill>
+            </p:spPr>
+            <p:style>
+              <a:lnRef idx="2">
+                <a:schemeClr val="dk1"/>
+              </a:lnRef>
+              <a:fillRef idx="1">
+                <a:schemeClr val="lt1"/>
+              </a:fillRef>
+              <a:effectRef idx="0">
+                <a:schemeClr val="dk1"/>
+              </a:effectRef>
+              <a:fontRef idx="minor">
+                <a:schemeClr val="dk1"/>
+              </a:fontRef>
+            </p:style>
+            <p:txBody>
+              <a:bodyPr rtlCol="0" anchor="ctr"/>
+              <a:lstStyle/>
+              <a:p>
+                <a:pPr algn="ctr"/>
+                <a:endParaRPr lang="en-GR"/>
+              </a:p>
+            </p:txBody>
+          </p:sp>
+        </p:grpSp>
+        <p:sp>
+          <p:nvSpPr>
+            <p:cNvPr id="57" name="Rectangle 4">
+              <a:extLst>
+                <a:ext uri="{FF2B5EF4-FFF2-40B4-BE49-F238E27FC236}">
+                  <a16:creationId xmlns:a16="http://schemas.microsoft.com/office/drawing/2014/main" id="{BEC49507-A425-46C6-80B0-575BB6378FFB}"/>
+                </a:ext>
+              </a:extLst>
+            </p:cNvPr>
+            <p:cNvSpPr/>
+            <p:nvPr/>
+          </p:nvSpPr>
+          <p:spPr>
+            <a:xfrm>
+              <a:off x="3227083" y="4522001"/>
+              <a:ext cx="467546" cy="560439"/>
+            </a:xfrm>
+            <a:prstGeom prst="rect">
+              <a:avLst/>
+            </a:prstGeom>
+            <a:solidFill>
+              <a:schemeClr val="bg1">
+                <a:lumMod val="85000"/>
+              </a:schemeClr>
+            </a:solidFill>
+          </p:spPr>
+          <p:style>
+            <a:lnRef idx="2">
+              <a:schemeClr val="dk1"/>
+            </a:lnRef>
+            <a:fillRef idx="1">
+              <a:schemeClr val="lt1"/>
+            </a:fillRef>
+            <a:effectRef idx="0">
+              <a:schemeClr val="dk1"/>
+            </a:effectRef>
+            <a:fontRef idx="minor">
+              <a:schemeClr val="dk1"/>
+            </a:fontRef>
+          </p:style>
+          <p:txBody>
+            <a:bodyPr rtlCol="0" anchor="ctr"/>
+            <a:lstStyle/>
+            <a:p>
+              <a:pPr algn="ctr"/>
+              <a:endParaRPr lang="en-GR"/>
+            </a:p>
+          </p:txBody>
+        </p:sp>
+      </p:grpSp>
+      <p:cxnSp>
+        <p:nvCxnSpPr>
+          <p:cNvPr id="64" name="Γραμμή σύνδεσης: Γωνιώδης 63">
+            <a:extLst>
+              <a:ext uri="{FF2B5EF4-FFF2-40B4-BE49-F238E27FC236}">
+                <a16:creationId xmlns:a16="http://schemas.microsoft.com/office/drawing/2014/main" id="{3627BD6C-E103-4EBD-9C59-65570A5D7DC4}"/>
+              </a:ext>
+            </a:extLst>
+          </p:cNvPr>
+          <p:cNvCxnSpPr>
+            <a:cxnSpLocks/>
+            <a:stCxn id="36" idx="2"/>
+            <a:endCxn id="4" idx="2"/>
+          </p:cNvCxnSpPr>
+          <p:nvPr/>
+        </p:nvCxnSpPr>
+        <p:spPr>
+          <a:xfrm rot="5400000">
+            <a:off x="2596620" y="2479868"/>
+            <a:ext cx="12700" cy="1657921"/>
+          </a:xfrm>
+          <a:prstGeom prst="bentConnector3">
+            <a:avLst>
+              <a:gd name="adj1" fmla="val 1800000"/>
+            </a:avLst>
+          </a:prstGeom>
+          <a:ln w="38100">
+            <a:tailEnd type="triangle"/>
+          </a:ln>
+        </p:spPr>
+        <p:style>
+          <a:lnRef idx="1">
+            <a:schemeClr val="dk1"/>
+          </a:lnRef>
+          <a:fillRef idx="0">
+            <a:schemeClr val="dk1"/>
+          </a:fillRef>
+          <a:effectRef idx="0">
+            <a:schemeClr val="dk1"/>
+          </a:effectRef>
+          <a:fontRef idx="minor">
+            <a:schemeClr val="tx1"/>
+          </a:fontRef>
+        </p:style>
+      </p:cxnSp>
+      <p:cxnSp>
+        <p:nvCxnSpPr>
+          <p:cNvPr id="67" name="Γραμμή σύνδεσης: Γωνιώδης 66">
+            <a:extLst>
+              <a:ext uri="{FF2B5EF4-FFF2-40B4-BE49-F238E27FC236}">
+                <a16:creationId xmlns:a16="http://schemas.microsoft.com/office/drawing/2014/main" id="{6B96333A-0CD6-40AC-AD89-00FBB168C231}"/>
+              </a:ext>
+            </a:extLst>
+          </p:cNvPr>
+          <p:cNvCxnSpPr>
+            <a:cxnSpLocks/>
+            <a:stCxn id="46" idx="2"/>
+            <a:endCxn id="37" idx="2"/>
+          </p:cNvCxnSpPr>
+          <p:nvPr/>
+        </p:nvCxnSpPr>
+        <p:spPr>
+          <a:xfrm rot="5400000">
+            <a:off x="5127952" y="2479869"/>
+            <a:ext cx="2" cy="1657921"/>
+          </a:xfrm>
+          <a:prstGeom prst="bentConnector3">
+            <a:avLst>
+              <a:gd name="adj1" fmla="val 11430100000"/>
+            </a:avLst>
+          </a:prstGeom>
+          <a:ln w="38100">
+            <a:tailEnd type="triangle"/>
+          </a:ln>
+        </p:spPr>
+        <p:style>
+          <a:lnRef idx="1">
+            <a:schemeClr val="dk1"/>
+          </a:lnRef>
+          <a:fillRef idx="0">
+            <a:schemeClr val="dk1"/>
+          </a:fillRef>
+          <a:effectRef idx="0">
+            <a:schemeClr val="dk1"/>
+          </a:effectRef>
+          <a:fontRef idx="minor">
+            <a:schemeClr val="tx1"/>
+          </a:fontRef>
+        </p:style>
+      </p:cxnSp>
+      <p:cxnSp>
+        <p:nvCxnSpPr>
+          <p:cNvPr id="70" name="Γραμμή σύνδεσης: Γωνιώδης 69">
+            <a:extLst>
+              <a:ext uri="{FF2B5EF4-FFF2-40B4-BE49-F238E27FC236}">
+                <a16:creationId xmlns:a16="http://schemas.microsoft.com/office/drawing/2014/main" id="{0FB2F7F1-997F-4301-A8C7-D378470255C9}"/>
+              </a:ext>
+            </a:extLst>
+          </p:cNvPr>
+          <p:cNvCxnSpPr>
+            <a:cxnSpLocks/>
+            <a:stCxn id="57" idx="2"/>
+            <a:endCxn id="47" idx="2"/>
+          </p:cNvCxnSpPr>
+          <p:nvPr/>
+        </p:nvCxnSpPr>
+        <p:spPr>
+          <a:xfrm rot="5400000">
+            <a:off x="7662543" y="2476613"/>
+            <a:ext cx="12700" cy="1664435"/>
+          </a:xfrm>
+          <a:prstGeom prst="bentConnector3">
+            <a:avLst>
+              <a:gd name="adj1" fmla="val 1800000"/>
+            </a:avLst>
+          </a:prstGeom>
+          <a:ln w="38100">
+            <a:tailEnd type="triangle"/>
+          </a:ln>
+        </p:spPr>
+        <p:style>
+          <a:lnRef idx="1">
+            <a:schemeClr val="dk1"/>
+          </a:lnRef>
+          <a:fillRef idx="0">
+            <a:schemeClr val="dk1"/>
+          </a:fillRef>
+          <a:effectRef idx="0">
+            <a:schemeClr val="dk1"/>
+          </a:effectRef>
+          <a:fontRef idx="minor">
+            <a:schemeClr val="tx1"/>
+          </a:fontRef>
+        </p:style>
+      </p:cxnSp>
+      <p:sp>
+        <p:nvSpPr>
+          <p:cNvPr id="74" name="TextBox 73">
+            <a:extLst>
+              <a:ext uri="{FF2B5EF4-FFF2-40B4-BE49-F238E27FC236}">
+                <a16:creationId xmlns:a16="http://schemas.microsoft.com/office/drawing/2014/main" id="{F4421C4D-A18A-44A3-B35C-7B8D4E2842C5}"/>
+              </a:ext>
+            </a:extLst>
+          </p:cNvPr>
+          <p:cNvSpPr txBox="1"/>
+          <p:nvPr/>
+        </p:nvSpPr>
+        <p:spPr>
+          <a:xfrm>
+            <a:off x="588916" y="1945190"/>
+            <a:ext cx="676788" cy="369332"/>
+          </a:xfrm>
+          <a:prstGeom prst="rect">
+            <a:avLst/>
+          </a:prstGeom>
+          <a:noFill/>
+        </p:spPr>
+        <p:txBody>
+          <a:bodyPr wrap="none" rtlCol="0">
+            <a:spAutoFit/>
+          </a:bodyPr>
+          <a:lstStyle/>
+          <a:p>
+            <a:r>
+              <a:rPr lang="en-GR" b="1" dirty="0"/>
+              <a:t>NULL</a:t>
+            </a:r>
+          </a:p>
+        </p:txBody>
+      </p:sp>
+      <p:cxnSp>
+        <p:nvCxnSpPr>
+          <p:cNvPr id="75" name="Straight Arrow Connector 22">
+            <a:extLst>
+              <a:ext uri="{FF2B5EF4-FFF2-40B4-BE49-F238E27FC236}">
+                <a16:creationId xmlns:a16="http://schemas.microsoft.com/office/drawing/2014/main" id="{D940B705-0891-4C1C-81A2-C24E262E8CB3}"/>
+              </a:ext>
+            </a:extLst>
+          </p:cNvPr>
+          <p:cNvCxnSpPr>
+            <a:cxnSpLocks/>
+            <a:stCxn id="27" idx="0"/>
+          </p:cNvCxnSpPr>
+          <p:nvPr/>
+        </p:nvCxnSpPr>
+        <p:spPr>
+          <a:xfrm flipV="1">
+            <a:off x="894247" y="2269068"/>
+            <a:ext cx="0" cy="479106"/>
+          </a:xfrm>
+          <a:prstGeom prst="straightConnector1">
+            <a:avLst/>
+          </a:prstGeom>
+          <a:ln w="38100">
+            <a:solidFill>
+              <a:schemeClr val="tx1"/>
+            </a:solidFill>
+            <a:tailEnd type="triangle"/>
+          </a:ln>
+        </p:spPr>
+        <p:style>
+          <a:lnRef idx="1">
+            <a:schemeClr val="dk1"/>
+          </a:lnRef>
+          <a:fillRef idx="0">
+            <a:schemeClr val="dk1"/>
+          </a:fillRef>
+          <a:effectRef idx="0">
+            <a:schemeClr val="dk1"/>
+          </a:effectRef>
+          <a:fontRef idx="minor">
+            <a:schemeClr val="tx1"/>
+          </a:fontRef>
+        </p:style>
+      </p:cxnSp>
+      <p:sp>
+        <p:nvSpPr>
+          <p:cNvPr id="80" name="Αριστερό άγκιστρο 79">
+            <a:extLst>
+              <a:ext uri="{FF2B5EF4-FFF2-40B4-BE49-F238E27FC236}">
+                <a16:creationId xmlns:a16="http://schemas.microsoft.com/office/drawing/2014/main" id="{547A8D09-0380-4759-A76A-CF1F2F5D3CB0}"/>
+              </a:ext>
+            </a:extLst>
+          </p:cNvPr>
+          <p:cNvSpPr/>
+          <p:nvPr/>
+        </p:nvSpPr>
+        <p:spPr>
+          <a:xfrm rot="16200000">
+            <a:off x="4205755" y="3080697"/>
+            <a:ext cx="188799" cy="1263925"/>
+          </a:xfrm>
+          <a:prstGeom prst="leftBrace">
+            <a:avLst/>
+          </a:prstGeom>
+          <a:ln w="12700">
+            <a:solidFill>
+              <a:schemeClr val="tx1"/>
+            </a:solidFill>
+          </a:ln>
+        </p:spPr>
+        <p:style>
+          <a:lnRef idx="1">
+            <a:schemeClr val="dk1"/>
+          </a:lnRef>
+          <a:fillRef idx="0">
+            <a:schemeClr val="dk1"/>
+          </a:fillRef>
+          <a:effectRef idx="0">
+            <a:schemeClr val="dk1"/>
+          </a:effectRef>
+          <a:fontRef idx="minor">
+            <a:schemeClr val="tx1"/>
+          </a:fontRef>
+        </p:style>
+        <p:txBody>
+          <a:bodyPr rtlCol="0" anchor="ctr"/>
+          <a:lstStyle/>
+          <a:p>
+            <a:pPr algn="ctr"/>
+            <a:endParaRPr lang="el-GR"/>
+          </a:p>
+        </p:txBody>
+      </p:sp>
+      <p:sp>
+        <p:nvSpPr>
+          <p:cNvPr id="84" name="TextBox 83">
+            <a:extLst>
+              <a:ext uri="{FF2B5EF4-FFF2-40B4-BE49-F238E27FC236}">
+                <a16:creationId xmlns:a16="http://schemas.microsoft.com/office/drawing/2014/main" id="{122F9D77-F38B-4C3B-A327-7EC3F6A78B34}"/>
+              </a:ext>
+            </a:extLst>
+          </p:cNvPr>
+          <p:cNvSpPr txBox="1"/>
+          <p:nvPr/>
+        </p:nvSpPr>
+        <p:spPr>
+          <a:xfrm>
+            <a:off x="8745535" y="490359"/>
+            <a:ext cx="2827697" cy="1477328"/>
+          </a:xfrm>
+          <a:prstGeom prst="rect">
+            <a:avLst/>
+          </a:prstGeom>
+          <a:noFill/>
+        </p:spPr>
+        <p:txBody>
+          <a:bodyPr wrap="none" rtlCol="0">
+            <a:spAutoFit/>
+          </a:bodyPr>
+          <a:lstStyle/>
+          <a:p>
+            <a:pPr defTabSz="360000"/>
+            <a:r>
+              <a:rPr lang="en-US" dirty="0">
+                <a:latin typeface="Consolas" panose="020B0609020204030204" pitchFamily="49" charset="0"/>
+              </a:rPr>
+              <a:t>struct node {</a:t>
+            </a:r>
+          </a:p>
+          <a:p>
+            <a:pPr defTabSz="360000"/>
+            <a:r>
+              <a:rPr lang="en-US" dirty="0">
+                <a:latin typeface="Consolas" panose="020B0609020204030204" pitchFamily="49" charset="0"/>
+              </a:rPr>
+              <a:t>	int data;</a:t>
+            </a:r>
+          </a:p>
+          <a:p>
+            <a:pPr defTabSz="360000"/>
+            <a:r>
+              <a:rPr lang="en-US" dirty="0">
+                <a:latin typeface="Consolas" panose="020B0609020204030204" pitchFamily="49" charset="0"/>
+              </a:rPr>
+              <a:t>	struct node *next;</a:t>
+            </a:r>
+          </a:p>
+          <a:p>
+            <a:pPr defTabSz="360000"/>
+            <a:r>
+              <a:rPr lang="en-US" dirty="0">
+                <a:latin typeface="Consolas" panose="020B0609020204030204" pitchFamily="49" charset="0"/>
+              </a:rPr>
+              <a:t>	struct node *</a:t>
+            </a:r>
+            <a:r>
+              <a:rPr lang="en-US" dirty="0" err="1">
+                <a:latin typeface="Consolas" panose="020B0609020204030204" pitchFamily="49" charset="0"/>
+              </a:rPr>
+              <a:t>prev</a:t>
+            </a:r>
+            <a:r>
+              <a:rPr lang="en-US" dirty="0">
+                <a:latin typeface="Consolas" panose="020B0609020204030204" pitchFamily="49" charset="0"/>
+              </a:rPr>
+              <a:t>;</a:t>
+            </a:r>
+          </a:p>
+          <a:p>
+            <a:pPr defTabSz="360000"/>
+            <a:r>
+              <a:rPr lang="en-US" dirty="0">
+                <a:latin typeface="Consolas" panose="020B0609020204030204" pitchFamily="49" charset="0"/>
+              </a:rPr>
+              <a:t>};</a:t>
+            </a:r>
+            <a:endParaRPr lang="el-GR" dirty="0">
+              <a:latin typeface="Consolas" panose="020B0609020204030204" pitchFamily="49" charset="0"/>
+            </a:endParaRPr>
+          </a:p>
+        </p:txBody>
+      </p:sp>
+      <p:sp>
+        <p:nvSpPr>
+          <p:cNvPr id="85" name="Αριστερό άγκιστρο 84">
+            <a:extLst>
+              <a:ext uri="{FF2B5EF4-FFF2-40B4-BE49-F238E27FC236}">
+                <a16:creationId xmlns:a16="http://schemas.microsoft.com/office/drawing/2014/main" id="{BEE2E19D-1D8E-49F3-AC71-A29CA3D1124F}"/>
+              </a:ext>
+            </a:extLst>
+          </p:cNvPr>
+          <p:cNvSpPr/>
+          <p:nvPr/>
+        </p:nvSpPr>
+        <p:spPr>
+          <a:xfrm rot="16200000">
+            <a:off x="3328003" y="3608305"/>
+            <a:ext cx="188799" cy="467546"/>
+          </a:xfrm>
+          <a:prstGeom prst="leftBrace">
+            <a:avLst/>
+          </a:prstGeom>
+          <a:ln w="12700">
+            <a:solidFill>
+              <a:schemeClr val="tx1"/>
+            </a:solidFill>
+          </a:ln>
+        </p:spPr>
+        <p:style>
+          <a:lnRef idx="1">
+            <a:schemeClr val="dk1"/>
+          </a:lnRef>
+          <a:fillRef idx="0">
+            <a:schemeClr val="dk1"/>
+          </a:fillRef>
+          <a:effectRef idx="0">
+            <a:schemeClr val="dk1"/>
+          </a:effectRef>
+          <a:fontRef idx="minor">
+            <a:schemeClr val="tx1"/>
+          </a:fontRef>
+        </p:style>
+        <p:txBody>
+          <a:bodyPr rtlCol="0" anchor="ctr"/>
+          <a:lstStyle/>
+          <a:p>
+            <a:pPr algn="ctr"/>
+            <a:endParaRPr lang="el-GR"/>
+          </a:p>
+        </p:txBody>
+      </p:sp>
+      <p:sp>
+        <p:nvSpPr>
+          <p:cNvPr id="86" name="Αριστερό άγκιστρο 85">
+            <a:extLst>
+              <a:ext uri="{FF2B5EF4-FFF2-40B4-BE49-F238E27FC236}">
+                <a16:creationId xmlns:a16="http://schemas.microsoft.com/office/drawing/2014/main" id="{1BA51293-FD89-4A43-ABAE-581A328686EA}"/>
+              </a:ext>
+            </a:extLst>
+          </p:cNvPr>
+          <p:cNvSpPr/>
+          <p:nvPr/>
+        </p:nvSpPr>
+        <p:spPr>
+          <a:xfrm rot="16200000">
+            <a:off x="5071491" y="3648415"/>
+            <a:ext cx="188799" cy="467546"/>
+          </a:xfrm>
+          <a:prstGeom prst="leftBrace">
+            <a:avLst/>
+          </a:prstGeom>
+          <a:ln w="12700">
+            <a:solidFill>
+              <a:schemeClr val="tx1"/>
+            </a:solidFill>
+          </a:ln>
+        </p:spPr>
+        <p:style>
+          <a:lnRef idx="1">
+            <a:schemeClr val="dk1"/>
+          </a:lnRef>
+          <a:fillRef idx="0">
+            <a:schemeClr val="dk1"/>
+          </a:fillRef>
+          <a:effectRef idx="0">
+            <a:schemeClr val="dk1"/>
+          </a:effectRef>
+          <a:fontRef idx="minor">
+            <a:schemeClr val="tx1"/>
+          </a:fontRef>
+        </p:style>
+        <p:txBody>
+          <a:bodyPr rtlCol="0" anchor="ctr"/>
+          <a:lstStyle/>
+          <a:p>
+            <a:pPr algn="ctr"/>
+            <a:endParaRPr lang="el-GR"/>
+          </a:p>
+        </p:txBody>
+      </p:sp>
+      <p:sp>
+        <p:nvSpPr>
+          <p:cNvPr id="87" name="TextBox 86">
+            <a:extLst>
+              <a:ext uri="{FF2B5EF4-FFF2-40B4-BE49-F238E27FC236}">
+                <a16:creationId xmlns:a16="http://schemas.microsoft.com/office/drawing/2014/main" id="{D0AF28FC-63EE-4AF5-BD03-3D8F2795F12E}"/>
+              </a:ext>
+            </a:extLst>
+          </p:cNvPr>
+          <p:cNvSpPr txBox="1"/>
+          <p:nvPr/>
+        </p:nvSpPr>
+        <p:spPr>
+          <a:xfrm>
+            <a:off x="4008838" y="3755816"/>
+            <a:ext cx="611514" cy="369332"/>
+          </a:xfrm>
+          <a:prstGeom prst="rect">
+            <a:avLst/>
+          </a:prstGeom>
+          <a:noFill/>
+        </p:spPr>
+        <p:txBody>
+          <a:bodyPr wrap="none" rtlCol="0">
+            <a:spAutoFit/>
+          </a:bodyPr>
+          <a:lstStyle/>
+          <a:p>
+            <a:r>
+              <a:rPr lang="en-US" dirty="0"/>
+              <a:t>data</a:t>
+            </a:r>
+            <a:endParaRPr lang="en-GR" dirty="0"/>
+          </a:p>
+        </p:txBody>
+      </p:sp>
+      <p:sp>
+        <p:nvSpPr>
+          <p:cNvPr id="88" name="TextBox 87">
+            <a:extLst>
+              <a:ext uri="{FF2B5EF4-FFF2-40B4-BE49-F238E27FC236}">
+                <a16:creationId xmlns:a16="http://schemas.microsoft.com/office/drawing/2014/main" id="{AEBDC985-2E94-4A56-BE25-9DDC6EB042DF}"/>
+              </a:ext>
+            </a:extLst>
+          </p:cNvPr>
+          <p:cNvSpPr txBox="1"/>
+          <p:nvPr/>
+        </p:nvSpPr>
+        <p:spPr>
+          <a:xfrm>
+            <a:off x="3121358" y="3912554"/>
+            <a:ext cx="602088" cy="369332"/>
+          </a:xfrm>
+          <a:prstGeom prst="rect">
+            <a:avLst/>
+          </a:prstGeom>
+          <a:noFill/>
+        </p:spPr>
+        <p:txBody>
+          <a:bodyPr wrap="none" rtlCol="0">
+            <a:spAutoFit/>
+          </a:bodyPr>
+          <a:lstStyle/>
+          <a:p>
+            <a:r>
+              <a:rPr lang="en-US" dirty="0" err="1"/>
+              <a:t>prev</a:t>
+            </a:r>
+            <a:endParaRPr lang="en-GR" dirty="0"/>
+          </a:p>
+        </p:txBody>
+      </p:sp>
+      <p:sp>
+        <p:nvSpPr>
+          <p:cNvPr id="89" name="TextBox 88">
+            <a:extLst>
+              <a:ext uri="{FF2B5EF4-FFF2-40B4-BE49-F238E27FC236}">
+                <a16:creationId xmlns:a16="http://schemas.microsoft.com/office/drawing/2014/main" id="{5AD84706-10E2-4B70-B437-5889131B277A}"/>
+              </a:ext>
+            </a:extLst>
+          </p:cNvPr>
+          <p:cNvSpPr txBox="1"/>
+          <p:nvPr/>
+        </p:nvSpPr>
+        <p:spPr>
+          <a:xfrm>
+            <a:off x="4868148" y="3912554"/>
+            <a:ext cx="595484" cy="369332"/>
+          </a:xfrm>
+          <a:prstGeom prst="rect">
+            <a:avLst/>
+          </a:prstGeom>
+          <a:noFill/>
+        </p:spPr>
+        <p:txBody>
+          <a:bodyPr wrap="none" rtlCol="0">
+            <a:spAutoFit/>
+          </a:bodyPr>
+          <a:lstStyle/>
+          <a:p>
+            <a:r>
+              <a:rPr lang="en-US" dirty="0"/>
+              <a:t>next</a:t>
+            </a:r>
+            <a:endParaRPr lang="en-GR" dirty="0"/>
+          </a:p>
+        </p:txBody>
+      </p:sp>
+      <p:sp>
+        <p:nvSpPr>
+          <p:cNvPr id="90" name="TextBox 89">
+            <a:extLst>
+              <a:ext uri="{FF2B5EF4-FFF2-40B4-BE49-F238E27FC236}">
+                <a16:creationId xmlns:a16="http://schemas.microsoft.com/office/drawing/2014/main" id="{D76E2A51-5F5A-45B9-978C-123C2CDA867A}"/>
+              </a:ext>
+            </a:extLst>
+          </p:cNvPr>
+          <p:cNvSpPr txBox="1"/>
+          <p:nvPr/>
+        </p:nvSpPr>
+        <p:spPr>
+          <a:xfrm>
+            <a:off x="9174836" y="3783520"/>
+            <a:ext cx="488595" cy="369332"/>
+          </a:xfrm>
+          <a:prstGeom prst="rect">
+            <a:avLst/>
+          </a:prstGeom>
+          <a:noFill/>
+        </p:spPr>
+        <p:txBody>
+          <a:bodyPr wrap="none" rtlCol="0">
+            <a:spAutoFit/>
+          </a:bodyPr>
+          <a:lstStyle/>
+          <a:p>
+            <a:r>
+              <a:rPr lang="en-US" b="1" dirty="0"/>
+              <a:t>tail</a:t>
+            </a:r>
+            <a:endParaRPr lang="en-GR" b="1" dirty="0"/>
+          </a:p>
+        </p:txBody>
+      </p:sp>
+      <p:cxnSp>
+        <p:nvCxnSpPr>
+          <p:cNvPr id="91" name="Straight Arrow Connector 25">
+            <a:extLst>
+              <a:ext uri="{FF2B5EF4-FFF2-40B4-BE49-F238E27FC236}">
+                <a16:creationId xmlns:a16="http://schemas.microsoft.com/office/drawing/2014/main" id="{1CAADEF6-BD7C-4B68-BFFF-3BCD59FCB4EE}"/>
+              </a:ext>
+            </a:extLst>
+          </p:cNvPr>
+          <p:cNvCxnSpPr>
+            <a:cxnSpLocks/>
+            <a:endCxn id="58" idx="2"/>
+          </p:cNvCxnSpPr>
+          <p:nvPr/>
+        </p:nvCxnSpPr>
+        <p:spPr>
+          <a:xfrm flipH="1" flipV="1">
+            <a:off x="9368172" y="3308832"/>
+            <a:ext cx="12700" cy="478956"/>
+          </a:xfrm>
+          <a:prstGeom prst="straightConnector1">
+            <a:avLst/>
+          </a:prstGeom>
+          <a:ln w="38100">
+            <a:solidFill>
+              <a:schemeClr val="tx1"/>
+            </a:solidFill>
+            <a:tailEnd type="triangle"/>
+          </a:ln>
+        </p:spPr>
+        <p:style>
+          <a:lnRef idx="1">
+            <a:schemeClr val="dk1"/>
+          </a:lnRef>
+          <a:fillRef idx="0">
+            <a:schemeClr val="dk1"/>
+          </a:fillRef>
+          <a:effectRef idx="0">
+            <a:schemeClr val="dk1"/>
+          </a:effectRef>
+          <a:fontRef idx="minor">
+            <a:schemeClr val="tx1"/>
+          </a:fontRef>
+        </p:style>
+      </p:cxnSp>
+    </p:spTree>
+    <p:extLst>
+      <p:ext uri="{BB962C8B-B14F-4D97-AF65-F5344CB8AC3E}">
+        <p14:creationId xmlns:p14="http://schemas.microsoft.com/office/powerpoint/2010/main" val="3214301749"/>
+      </p:ext>
+    </p:extLst>
+  </p:cSld>
+  <p:clrMapOvr>
+    <a:masterClrMapping/>
+  </p:clrMapOvr>
+</p:sld>
+</file>
+
+<file path=ppt/slides/slide4.xml><?xml version="1.0" encoding="utf-8"?>
+<p:sld xmlns:a="http://schemas.openxmlformats.org/drawingml/2006/main" xmlns:r="http://schemas.openxmlformats.org/officeDocument/2006/relationships" xmlns:p="http://schemas.openxmlformats.org/presentationml/2006/main">
+  <p:cSld>
+    <p:spTree>
+      <p:nvGrpSpPr>
+        <p:cNvPr id="1" name=""/>
+        <p:cNvGrpSpPr/>
+        <p:nvPr/>
+      </p:nvGrpSpPr>
+      <p:grpSpPr>
+        <a:xfrm>
+          <a:off x="0" y="0"/>
+          <a:ext cx="0" cy="0"/>
+          <a:chOff x="0" y="0"/>
+          <a:chExt cx="0" cy="0"/>
+        </a:xfrm>
+      </p:grpSpPr>
+      <p:sp>
+        <p:nvSpPr>
+          <p:cNvPr id="2" name="Τίτλος 1">
+            <a:extLst>
+              <a:ext uri="{FF2B5EF4-FFF2-40B4-BE49-F238E27FC236}">
+                <a16:creationId xmlns:a16="http://schemas.microsoft.com/office/drawing/2014/main" id="{919B3882-43FE-4EDB-82F5-C83D7138C35B}"/>
+              </a:ext>
+            </a:extLst>
+          </p:cNvPr>
+          <p:cNvSpPr>
+            <a:spLocks noGrp="1"/>
+          </p:cNvSpPr>
+          <p:nvPr>
+            <p:ph type="title"/>
+          </p:nvPr>
+        </p:nvSpPr>
+        <p:spPr/>
+        <p:txBody>
+          <a:bodyPr/>
+          <a:lstStyle/>
+          <a:p>
+            <a:endParaRPr lang="el-GR"/>
+          </a:p>
+        </p:txBody>
+      </p:sp>
+      <p:sp>
+        <p:nvSpPr>
+          <p:cNvPr id="6" name="TextBox 5">
+            <a:extLst>
+              <a:ext uri="{FF2B5EF4-FFF2-40B4-BE49-F238E27FC236}">
+                <a16:creationId xmlns:a16="http://schemas.microsoft.com/office/drawing/2014/main" id="{E3392F5A-A09E-493B-BE7F-DE53A3CADD40}"/>
+              </a:ext>
+            </a:extLst>
+          </p:cNvPr>
+          <p:cNvSpPr txBox="1"/>
+          <p:nvPr/>
+        </p:nvSpPr>
+        <p:spPr>
+          <a:xfrm>
+            <a:off x="1440537" y="1941812"/>
+            <a:ext cx="660758" cy="369332"/>
+          </a:xfrm>
+          <a:prstGeom prst="rect">
+            <a:avLst/>
+          </a:prstGeom>
+          <a:noFill/>
+        </p:spPr>
+        <p:txBody>
+          <a:bodyPr wrap="none" rtlCol="0">
+            <a:spAutoFit/>
+          </a:bodyPr>
+          <a:lstStyle/>
+          <a:p>
+            <a:r>
+              <a:rPr lang="en-GR" b="1" dirty="0"/>
+              <a:t>head</a:t>
+            </a:r>
+          </a:p>
+        </p:txBody>
+      </p:sp>
+      <p:cxnSp>
+        <p:nvCxnSpPr>
+          <p:cNvPr id="7" name="Straight Arrow Connector 25">
+            <a:extLst>
+              <a:ext uri="{FF2B5EF4-FFF2-40B4-BE49-F238E27FC236}">
+                <a16:creationId xmlns:a16="http://schemas.microsoft.com/office/drawing/2014/main" id="{C57CA216-89DE-4A5E-BADC-411F41367A9D}"/>
+              </a:ext>
+            </a:extLst>
+          </p:cNvPr>
+          <p:cNvCxnSpPr>
+            <a:cxnSpLocks/>
+            <a:stCxn id="6" idx="2"/>
+            <a:endCxn id="9" idx="0"/>
+          </p:cNvCxnSpPr>
+          <p:nvPr/>
+        </p:nvCxnSpPr>
+        <p:spPr>
+          <a:xfrm flipH="1">
+            <a:off x="1767659" y="2311144"/>
+            <a:ext cx="3257" cy="437245"/>
+          </a:xfrm>
+          <a:prstGeom prst="straightConnector1">
+            <a:avLst/>
+          </a:prstGeom>
+          <a:ln w="38100">
+            <a:solidFill>
+              <a:schemeClr val="tx1"/>
+            </a:solidFill>
+            <a:tailEnd type="triangle"/>
+          </a:ln>
+        </p:spPr>
+        <p:style>
+          <a:lnRef idx="1">
+            <a:schemeClr val="dk1"/>
+          </a:lnRef>
+          <a:fillRef idx="0">
+            <a:schemeClr val="dk1"/>
+          </a:fillRef>
+          <a:effectRef idx="0">
+            <a:schemeClr val="dk1"/>
+          </a:effectRef>
+          <a:fontRef idx="minor">
+            <a:schemeClr val="tx1"/>
+          </a:fontRef>
+        </p:style>
+      </p:cxnSp>
+      <p:grpSp>
+        <p:nvGrpSpPr>
+          <p:cNvPr id="8" name="Group 5">
+            <a:extLst>
+              <a:ext uri="{FF2B5EF4-FFF2-40B4-BE49-F238E27FC236}">
+                <a16:creationId xmlns:a16="http://schemas.microsoft.com/office/drawing/2014/main" id="{BD78A00B-8486-44F6-A5B0-8ED97D222278}"/>
+              </a:ext>
+            </a:extLst>
+          </p:cNvPr>
+          <p:cNvGrpSpPr/>
+          <p:nvPr/>
+        </p:nvGrpSpPr>
+        <p:grpSpPr>
+          <a:xfrm>
+            <a:off x="1134534" y="2748388"/>
+            <a:ext cx="1740310" cy="560440"/>
+            <a:chOff x="1327355" y="3148779"/>
+            <a:chExt cx="1976284" cy="560440"/>
+          </a:xfrm>
+        </p:grpSpPr>
+        <p:sp>
+          <p:nvSpPr>
+            <p:cNvPr id="9" name="Rectangle 3">
+              <a:extLst>
+                <a:ext uri="{FF2B5EF4-FFF2-40B4-BE49-F238E27FC236}">
+                  <a16:creationId xmlns:a16="http://schemas.microsoft.com/office/drawing/2014/main" id="{A7873539-5EC0-492F-BD84-918F04BDF3A2}"/>
+                </a:ext>
+              </a:extLst>
+            </p:cNvPr>
+            <p:cNvSpPr/>
+            <p:nvPr/>
+          </p:nvSpPr>
+          <p:spPr>
+            <a:xfrm>
+              <a:off x="1327355" y="3148780"/>
+              <a:ext cx="1437945" cy="560439"/>
+            </a:xfrm>
+            <a:prstGeom prst="rect">
+              <a:avLst/>
+            </a:prstGeom>
+          </p:spPr>
+          <p:style>
+            <a:lnRef idx="2">
+              <a:schemeClr val="dk1"/>
+            </a:lnRef>
+            <a:fillRef idx="1">
+              <a:schemeClr val="lt1"/>
+            </a:fillRef>
+            <a:effectRef idx="0">
+              <a:schemeClr val="dk1"/>
+            </a:effectRef>
+            <a:fontRef idx="minor">
+              <a:schemeClr val="dk1"/>
+            </a:fontRef>
+          </p:style>
+          <p:txBody>
+            <a:bodyPr rtlCol="0" anchor="ctr"/>
+            <a:lstStyle/>
+            <a:p>
+              <a:pPr algn="ctr"/>
+              <a:r>
+                <a:rPr lang="en-US" dirty="0"/>
+                <a:t>“</a:t>
+              </a:r>
+              <a:r>
+                <a:rPr lang="en-US" dirty="0" err="1"/>
+                <a:t>abc</a:t>
+              </a:r>
+              <a:r>
+                <a:rPr lang="en-US" dirty="0"/>
+                <a:t>”, 0</a:t>
+              </a:r>
+              <a:endParaRPr lang="en-GR" dirty="0"/>
+            </a:p>
+          </p:txBody>
+        </p:sp>
+        <p:sp>
+          <p:nvSpPr>
+            <p:cNvPr id="10" name="Rectangle 4">
+              <a:extLst>
+                <a:ext uri="{FF2B5EF4-FFF2-40B4-BE49-F238E27FC236}">
+                  <a16:creationId xmlns:a16="http://schemas.microsoft.com/office/drawing/2014/main" id="{38B0CAAD-6F18-4749-940B-962DFBA04DF0}"/>
+                </a:ext>
+              </a:extLst>
+            </p:cNvPr>
+            <p:cNvSpPr/>
+            <p:nvPr/>
+          </p:nvSpPr>
+          <p:spPr>
+            <a:xfrm>
+              <a:off x="2772697" y="3148779"/>
+              <a:ext cx="530942" cy="560439"/>
+            </a:xfrm>
+            <a:prstGeom prst="rect">
+              <a:avLst/>
+            </a:prstGeom>
+            <a:solidFill>
+              <a:schemeClr val="bg1">
+                <a:lumMod val="85000"/>
+              </a:schemeClr>
+            </a:solidFill>
+          </p:spPr>
+          <p:style>
+            <a:lnRef idx="2">
+              <a:schemeClr val="dk1"/>
+            </a:lnRef>
+            <a:fillRef idx="1">
+              <a:schemeClr val="lt1"/>
+            </a:fillRef>
+            <a:effectRef idx="0">
+              <a:schemeClr val="dk1"/>
+            </a:effectRef>
+            <a:fontRef idx="minor">
+              <a:schemeClr val="dk1"/>
+            </a:fontRef>
+          </p:style>
+          <p:txBody>
+            <a:bodyPr rtlCol="0" anchor="ctr"/>
+            <a:lstStyle/>
+            <a:p>
+              <a:pPr algn="ctr"/>
+              <a:endParaRPr lang="en-GR"/>
+            </a:p>
+          </p:txBody>
+        </p:sp>
+      </p:grpSp>
+      <p:sp>
+        <p:nvSpPr>
+          <p:cNvPr id="11" name="Rectangle 4">
+            <a:extLst>
+              <a:ext uri="{FF2B5EF4-FFF2-40B4-BE49-F238E27FC236}">
+                <a16:creationId xmlns:a16="http://schemas.microsoft.com/office/drawing/2014/main" id="{D94D40BB-C787-4482-8AD3-223EE9B55819}"/>
+              </a:ext>
+            </a:extLst>
+          </p:cNvPr>
+          <p:cNvSpPr/>
+          <p:nvPr/>
+        </p:nvSpPr>
+        <p:spPr>
+          <a:xfrm>
+            <a:off x="660474" y="2748174"/>
+            <a:ext cx="467546" cy="560439"/>
+          </a:xfrm>
+          <a:prstGeom prst="rect">
+            <a:avLst/>
+          </a:prstGeom>
+          <a:solidFill>
+            <a:schemeClr val="bg1">
+              <a:lumMod val="85000"/>
+            </a:schemeClr>
+          </a:solidFill>
+        </p:spPr>
+        <p:style>
+          <a:lnRef idx="2">
+            <a:schemeClr val="dk1"/>
+          </a:lnRef>
+          <a:fillRef idx="1">
+            <a:schemeClr val="lt1"/>
+          </a:fillRef>
+          <a:effectRef idx="0">
+            <a:schemeClr val="dk1"/>
+          </a:effectRef>
+          <a:fontRef idx="minor">
+            <a:schemeClr val="dk1"/>
+          </a:fontRef>
+        </p:style>
+        <p:txBody>
+          <a:bodyPr rtlCol="0" anchor="ctr"/>
+          <a:lstStyle/>
+          <a:p>
+            <a:pPr algn="ctr"/>
+            <a:r>
+              <a:rPr lang="en-US" sz="1000" b="1" dirty="0"/>
+              <a:t>NULL</a:t>
+            </a:r>
+            <a:endParaRPr lang="en-GR" b="1" dirty="0"/>
+          </a:p>
+        </p:txBody>
+      </p:sp>
+      <p:grpSp>
+        <p:nvGrpSpPr>
+          <p:cNvPr id="12" name="Ομάδα 11">
+            <a:extLst>
+              <a:ext uri="{FF2B5EF4-FFF2-40B4-BE49-F238E27FC236}">
+                <a16:creationId xmlns:a16="http://schemas.microsoft.com/office/drawing/2014/main" id="{F84678E9-C35E-4CE1-81AC-4110E59C0BF0}"/>
+              </a:ext>
+            </a:extLst>
+          </p:cNvPr>
+          <p:cNvGrpSpPr/>
+          <p:nvPr/>
+        </p:nvGrpSpPr>
+        <p:grpSpPr>
+          <a:xfrm>
+            <a:off x="3191807" y="2748389"/>
+            <a:ext cx="2214370" cy="560441"/>
+            <a:chOff x="3227083" y="4522001"/>
+            <a:chExt cx="2214370" cy="560441"/>
+          </a:xfrm>
+        </p:grpSpPr>
+        <p:grpSp>
+          <p:nvGrpSpPr>
+            <p:cNvPr id="13" name="Group 5">
+              <a:extLst>
+                <a:ext uri="{FF2B5EF4-FFF2-40B4-BE49-F238E27FC236}">
+                  <a16:creationId xmlns:a16="http://schemas.microsoft.com/office/drawing/2014/main" id="{CAA80426-E304-4139-837D-B05E58FB7B8C}"/>
+                </a:ext>
+              </a:extLst>
+            </p:cNvPr>
+            <p:cNvGrpSpPr/>
+            <p:nvPr/>
+          </p:nvGrpSpPr>
+          <p:grpSpPr>
+            <a:xfrm>
+              <a:off x="3701143" y="4522002"/>
+              <a:ext cx="1740310" cy="560440"/>
+              <a:chOff x="1327355" y="3148779"/>
+              <a:chExt cx="1976284" cy="560440"/>
+            </a:xfrm>
+          </p:grpSpPr>
+          <p:sp>
+            <p:nvSpPr>
+              <p:cNvPr id="15" name="Rectangle 3">
+                <a:extLst>
+                  <a:ext uri="{FF2B5EF4-FFF2-40B4-BE49-F238E27FC236}">
+                    <a16:creationId xmlns:a16="http://schemas.microsoft.com/office/drawing/2014/main" id="{3B4EF831-52A4-4A71-97EB-0D0AFADE372B}"/>
+                  </a:ext>
+                </a:extLst>
+              </p:cNvPr>
+              <p:cNvSpPr/>
+              <p:nvPr/>
+            </p:nvSpPr>
+            <p:spPr>
+              <a:xfrm>
+                <a:off x="1327355" y="3148780"/>
+                <a:ext cx="1437945" cy="560439"/>
+              </a:xfrm>
+              <a:prstGeom prst="rect">
+                <a:avLst/>
+              </a:prstGeom>
+            </p:spPr>
+            <p:style>
+              <a:lnRef idx="2">
+                <a:schemeClr val="dk1"/>
+              </a:lnRef>
+              <a:fillRef idx="1">
+                <a:schemeClr val="lt1"/>
+              </a:fillRef>
+              <a:effectRef idx="0">
+                <a:schemeClr val="dk1"/>
+              </a:effectRef>
+              <a:fontRef idx="minor">
+                <a:schemeClr val="dk1"/>
+              </a:fontRef>
+            </p:style>
+            <p:txBody>
+              <a:bodyPr rtlCol="0" anchor="ctr"/>
+              <a:lstStyle/>
+              <a:p>
+                <a:pPr algn="ctr"/>
+                <a:r>
+                  <a:rPr lang="en-US" dirty="0"/>
+                  <a:t>“black”, 0</a:t>
+                </a:r>
+                <a:endParaRPr lang="en-GR" dirty="0"/>
+              </a:p>
+            </p:txBody>
+          </p:sp>
+          <p:sp>
+            <p:nvSpPr>
+              <p:cNvPr id="16" name="Rectangle 4">
+                <a:extLst>
+                  <a:ext uri="{FF2B5EF4-FFF2-40B4-BE49-F238E27FC236}">
+                    <a16:creationId xmlns:a16="http://schemas.microsoft.com/office/drawing/2014/main" id="{810B1FDE-64D5-4927-A440-33EC2A90FBDD}"/>
+                  </a:ext>
+                </a:extLst>
+              </p:cNvPr>
+              <p:cNvSpPr/>
+              <p:nvPr/>
+            </p:nvSpPr>
+            <p:spPr>
+              <a:xfrm>
+                <a:off x="2772697" y="3148779"/>
+                <a:ext cx="530942" cy="560439"/>
+              </a:xfrm>
+              <a:prstGeom prst="rect">
+                <a:avLst/>
+              </a:prstGeom>
+              <a:solidFill>
+                <a:schemeClr val="bg1">
+                  <a:lumMod val="85000"/>
+                </a:schemeClr>
+              </a:solidFill>
+            </p:spPr>
+            <p:style>
+              <a:lnRef idx="2">
+                <a:schemeClr val="dk1"/>
+              </a:lnRef>
+              <a:fillRef idx="1">
+                <a:schemeClr val="lt1"/>
+              </a:fillRef>
+              <a:effectRef idx="0">
+                <a:schemeClr val="dk1"/>
+              </a:effectRef>
+              <a:fontRef idx="minor">
+                <a:schemeClr val="dk1"/>
+              </a:fontRef>
+            </p:style>
+            <p:txBody>
+              <a:bodyPr rtlCol="0" anchor="ctr"/>
+              <a:lstStyle/>
+              <a:p>
+                <a:pPr algn="ctr"/>
+                <a:endParaRPr lang="en-GR"/>
+              </a:p>
+            </p:txBody>
+          </p:sp>
+        </p:grpSp>
+        <p:sp>
+          <p:nvSpPr>
+            <p:cNvPr id="14" name="Rectangle 4">
+              <a:extLst>
+                <a:ext uri="{FF2B5EF4-FFF2-40B4-BE49-F238E27FC236}">
+                  <a16:creationId xmlns:a16="http://schemas.microsoft.com/office/drawing/2014/main" id="{3462AEA5-B203-4D69-9AAD-1C2777BF37B4}"/>
+                </a:ext>
+              </a:extLst>
+            </p:cNvPr>
+            <p:cNvSpPr/>
+            <p:nvPr/>
+          </p:nvSpPr>
+          <p:spPr>
+            <a:xfrm>
+              <a:off x="3227083" y="4522001"/>
+              <a:ext cx="467546" cy="560439"/>
+            </a:xfrm>
+            <a:prstGeom prst="rect">
+              <a:avLst/>
+            </a:prstGeom>
+            <a:solidFill>
+              <a:schemeClr val="bg1">
+                <a:lumMod val="85000"/>
+              </a:schemeClr>
+            </a:solidFill>
+          </p:spPr>
+          <p:style>
+            <a:lnRef idx="2">
+              <a:schemeClr val="dk1"/>
+            </a:lnRef>
+            <a:fillRef idx="1">
+              <a:schemeClr val="lt1"/>
+            </a:fillRef>
+            <a:effectRef idx="0">
+              <a:schemeClr val="dk1"/>
+            </a:effectRef>
+            <a:fontRef idx="minor">
+              <a:schemeClr val="dk1"/>
+            </a:fontRef>
+          </p:style>
+          <p:txBody>
+            <a:bodyPr rtlCol="0" anchor="ctr"/>
+            <a:lstStyle/>
+            <a:p>
+              <a:pPr algn="ctr"/>
+              <a:endParaRPr lang="en-GR"/>
+            </a:p>
+          </p:txBody>
+        </p:sp>
+      </p:grpSp>
+      <p:cxnSp>
+        <p:nvCxnSpPr>
+          <p:cNvPr id="17" name="Γραμμή σύνδεσης: Γωνιώδης 16">
+            <a:extLst>
+              <a:ext uri="{FF2B5EF4-FFF2-40B4-BE49-F238E27FC236}">
+                <a16:creationId xmlns:a16="http://schemas.microsoft.com/office/drawing/2014/main" id="{DEACF341-2BBA-42D2-9EBB-BE041DFF2375}"/>
+              </a:ext>
+            </a:extLst>
+          </p:cNvPr>
+          <p:cNvCxnSpPr>
+            <a:cxnSpLocks/>
+            <a:stCxn id="10" idx="3"/>
+            <a:endCxn id="15" idx="0"/>
+          </p:cNvCxnSpPr>
+          <p:nvPr/>
+        </p:nvCxnSpPr>
+        <p:spPr>
+          <a:xfrm flipV="1">
+            <a:off x="2874844" y="2748391"/>
+            <a:ext cx="1424148" cy="280217"/>
+          </a:xfrm>
+          <a:prstGeom prst="bentConnector4">
+            <a:avLst>
+              <a:gd name="adj1" fmla="val 12612"/>
+              <a:gd name="adj2" fmla="val 181581"/>
+            </a:avLst>
+          </a:prstGeom>
+          <a:ln w="38100">
+            <a:tailEnd type="triangle"/>
+          </a:ln>
+        </p:spPr>
+        <p:style>
+          <a:lnRef idx="1">
+            <a:schemeClr val="dk1"/>
+          </a:lnRef>
+          <a:fillRef idx="0">
+            <a:schemeClr val="dk1"/>
+          </a:fillRef>
+          <a:effectRef idx="0">
+            <a:schemeClr val="dk1"/>
+          </a:effectRef>
+          <a:fontRef idx="minor">
+            <a:schemeClr val="tx1"/>
+          </a:fontRef>
+        </p:style>
+      </p:cxnSp>
+      <p:grpSp>
+        <p:nvGrpSpPr>
+          <p:cNvPr id="18" name="Ομάδα 17">
+            <a:extLst>
+              <a:ext uri="{FF2B5EF4-FFF2-40B4-BE49-F238E27FC236}">
+                <a16:creationId xmlns:a16="http://schemas.microsoft.com/office/drawing/2014/main" id="{192A7DB9-4290-4329-9767-F5158EBAB4DA}"/>
+              </a:ext>
+            </a:extLst>
+          </p:cNvPr>
+          <p:cNvGrpSpPr/>
+          <p:nvPr/>
+        </p:nvGrpSpPr>
+        <p:grpSpPr>
+          <a:xfrm>
+            <a:off x="5723140" y="2748389"/>
+            <a:ext cx="2214370" cy="560441"/>
+            <a:chOff x="3227083" y="4522001"/>
+            <a:chExt cx="2214370" cy="560441"/>
+          </a:xfrm>
+        </p:grpSpPr>
+        <p:grpSp>
+          <p:nvGrpSpPr>
+            <p:cNvPr id="19" name="Group 5">
+              <a:extLst>
+                <a:ext uri="{FF2B5EF4-FFF2-40B4-BE49-F238E27FC236}">
+                  <a16:creationId xmlns:a16="http://schemas.microsoft.com/office/drawing/2014/main" id="{DE77D89A-982D-40FC-B4D3-A5BF5B0CD004}"/>
+                </a:ext>
+              </a:extLst>
+            </p:cNvPr>
+            <p:cNvGrpSpPr/>
+            <p:nvPr/>
+          </p:nvGrpSpPr>
+          <p:grpSpPr>
+            <a:xfrm>
+              <a:off x="3701143" y="4522002"/>
+              <a:ext cx="1740310" cy="560440"/>
+              <a:chOff x="1327355" y="3148779"/>
+              <a:chExt cx="1976284" cy="560440"/>
+            </a:xfrm>
+          </p:grpSpPr>
+          <p:sp>
+            <p:nvSpPr>
+              <p:cNvPr id="21" name="Rectangle 3">
+                <a:extLst>
+                  <a:ext uri="{FF2B5EF4-FFF2-40B4-BE49-F238E27FC236}">
+                    <a16:creationId xmlns:a16="http://schemas.microsoft.com/office/drawing/2014/main" id="{345C8673-5907-449D-BCE1-6284FD06BB51}"/>
+                  </a:ext>
+                </a:extLst>
+              </p:cNvPr>
+              <p:cNvSpPr/>
+              <p:nvPr/>
+            </p:nvSpPr>
+            <p:spPr>
+              <a:xfrm>
+                <a:off x="1327355" y="3148780"/>
+                <a:ext cx="1437945" cy="560439"/>
+              </a:xfrm>
+              <a:prstGeom prst="rect">
+                <a:avLst/>
+              </a:prstGeom>
+            </p:spPr>
+            <p:style>
+              <a:lnRef idx="2">
+                <a:schemeClr val="dk1"/>
+              </a:lnRef>
+              <a:fillRef idx="1">
+                <a:schemeClr val="lt1"/>
+              </a:fillRef>
+              <a:effectRef idx="0">
+                <a:schemeClr val="dk1"/>
+              </a:effectRef>
+              <a:fontRef idx="minor">
+                <a:schemeClr val="dk1"/>
+              </a:fontRef>
+            </p:style>
+            <p:txBody>
+              <a:bodyPr rtlCol="0" anchor="ctr"/>
+              <a:lstStyle/>
+              <a:p>
+                <a:pPr algn="ctr"/>
+                <a:r>
+                  <a:rPr lang="en-US" dirty="0"/>
+                  <a:t>“white”, 0</a:t>
+                </a:r>
+                <a:endParaRPr lang="en-GR" dirty="0"/>
+              </a:p>
+            </p:txBody>
+          </p:sp>
+          <p:sp>
+            <p:nvSpPr>
+              <p:cNvPr id="22" name="Rectangle 4">
+                <a:extLst>
+                  <a:ext uri="{FF2B5EF4-FFF2-40B4-BE49-F238E27FC236}">
+                    <a16:creationId xmlns:a16="http://schemas.microsoft.com/office/drawing/2014/main" id="{20980F82-24BE-4A18-BB95-7158B55D0669}"/>
+                  </a:ext>
+                </a:extLst>
+              </p:cNvPr>
+              <p:cNvSpPr/>
+              <p:nvPr/>
+            </p:nvSpPr>
+            <p:spPr>
+              <a:xfrm>
+                <a:off x="2772697" y="3148779"/>
+                <a:ext cx="530942" cy="560439"/>
+              </a:xfrm>
+              <a:prstGeom prst="rect">
+                <a:avLst/>
+              </a:prstGeom>
+              <a:solidFill>
+                <a:schemeClr val="bg1">
+                  <a:lumMod val="85000"/>
+                </a:schemeClr>
+              </a:solidFill>
+            </p:spPr>
+            <p:style>
+              <a:lnRef idx="2">
+                <a:schemeClr val="dk1"/>
+              </a:lnRef>
+              <a:fillRef idx="1">
+                <a:schemeClr val="lt1"/>
+              </a:fillRef>
+              <a:effectRef idx="0">
+                <a:schemeClr val="dk1"/>
+              </a:effectRef>
+              <a:fontRef idx="minor">
+                <a:schemeClr val="dk1"/>
+              </a:fontRef>
+            </p:style>
+            <p:txBody>
+              <a:bodyPr rtlCol="0" anchor="ctr"/>
+              <a:lstStyle/>
+              <a:p>
+                <a:pPr algn="ctr"/>
+                <a:endParaRPr lang="en-US" sz="1000" b="1" dirty="0"/>
+              </a:p>
+              <a:p>
+                <a:pPr algn="ctr"/>
+                <a:endParaRPr lang="en-US" sz="1000" b="1" dirty="0"/>
+              </a:p>
+              <a:p>
+                <a:pPr algn="ctr"/>
+                <a:r>
+                  <a:rPr lang="en-US" sz="1000" b="1" dirty="0"/>
+                  <a:t>NULL</a:t>
+                </a:r>
+                <a:endParaRPr lang="en-GR" sz="1000" b="1" dirty="0"/>
+              </a:p>
+              <a:p>
+                <a:pPr algn="ctr"/>
+                <a:endParaRPr lang="en-GR" dirty="0"/>
+              </a:p>
+            </p:txBody>
+          </p:sp>
+        </p:grpSp>
+        <p:sp>
+          <p:nvSpPr>
+            <p:cNvPr id="20" name="Rectangle 4">
+              <a:extLst>
+                <a:ext uri="{FF2B5EF4-FFF2-40B4-BE49-F238E27FC236}">
+                  <a16:creationId xmlns:a16="http://schemas.microsoft.com/office/drawing/2014/main" id="{2EEEB674-FDE3-458B-BE46-3ED0D5926A00}"/>
+                </a:ext>
+              </a:extLst>
+            </p:cNvPr>
+            <p:cNvSpPr/>
+            <p:nvPr/>
+          </p:nvSpPr>
+          <p:spPr>
+            <a:xfrm>
+              <a:off x="3227083" y="4522001"/>
+              <a:ext cx="467546" cy="560439"/>
+            </a:xfrm>
+            <a:prstGeom prst="rect">
+              <a:avLst/>
+            </a:prstGeom>
+            <a:solidFill>
+              <a:schemeClr val="bg1">
+                <a:lumMod val="85000"/>
+              </a:schemeClr>
+            </a:solidFill>
+          </p:spPr>
+          <p:style>
+            <a:lnRef idx="2">
+              <a:schemeClr val="dk1"/>
+            </a:lnRef>
+            <a:fillRef idx="1">
+              <a:schemeClr val="lt1"/>
+            </a:fillRef>
+            <a:effectRef idx="0">
+              <a:schemeClr val="dk1"/>
+            </a:effectRef>
+            <a:fontRef idx="minor">
+              <a:schemeClr val="dk1"/>
+            </a:fontRef>
+          </p:style>
+          <p:txBody>
+            <a:bodyPr rtlCol="0" anchor="ctr"/>
+            <a:lstStyle/>
+            <a:p>
+              <a:pPr algn="ctr"/>
+              <a:endParaRPr lang="en-GR"/>
+            </a:p>
+          </p:txBody>
+        </p:sp>
+      </p:grpSp>
+      <p:cxnSp>
+        <p:nvCxnSpPr>
+          <p:cNvPr id="23" name="Γραμμή σύνδεσης: Γωνιώδης 22">
+            <a:extLst>
+              <a:ext uri="{FF2B5EF4-FFF2-40B4-BE49-F238E27FC236}">
+                <a16:creationId xmlns:a16="http://schemas.microsoft.com/office/drawing/2014/main" id="{26AA6FBD-4B57-4814-97D4-D7FFDADBAAD0}"/>
+              </a:ext>
+            </a:extLst>
+          </p:cNvPr>
+          <p:cNvCxnSpPr>
+            <a:cxnSpLocks/>
+            <a:stCxn id="16" idx="3"/>
+            <a:endCxn id="21" idx="0"/>
+          </p:cNvCxnSpPr>
+          <p:nvPr/>
+        </p:nvCxnSpPr>
+        <p:spPr>
+          <a:xfrm flipV="1">
+            <a:off x="5406177" y="2748391"/>
+            <a:ext cx="1424148" cy="280219"/>
+          </a:xfrm>
+          <a:prstGeom prst="bentConnector4">
+            <a:avLst>
+              <a:gd name="adj1" fmla="val 14098"/>
+              <a:gd name="adj2" fmla="val 181579"/>
+            </a:avLst>
+          </a:prstGeom>
+          <a:ln w="38100">
+            <a:tailEnd type="triangle"/>
+          </a:ln>
+        </p:spPr>
+        <p:style>
+          <a:lnRef idx="1">
+            <a:schemeClr val="dk1"/>
+          </a:lnRef>
+          <a:fillRef idx="0">
+            <a:schemeClr val="dk1"/>
+          </a:fillRef>
+          <a:effectRef idx="0">
+            <a:schemeClr val="dk1"/>
+          </a:effectRef>
+          <a:fontRef idx="minor">
+            <a:schemeClr val="tx1"/>
+          </a:fontRef>
+        </p:style>
+      </p:cxnSp>
+      <p:grpSp>
+        <p:nvGrpSpPr>
+          <p:cNvPr id="25" name="Ομάδα 24">
+            <a:extLst>
+              <a:ext uri="{FF2B5EF4-FFF2-40B4-BE49-F238E27FC236}">
+                <a16:creationId xmlns:a16="http://schemas.microsoft.com/office/drawing/2014/main" id="{32B681E5-52F7-4E3D-9CCD-42C48C4AF75A}"/>
+              </a:ext>
+            </a:extLst>
+          </p:cNvPr>
+          <p:cNvGrpSpPr/>
+          <p:nvPr/>
+        </p:nvGrpSpPr>
+        <p:grpSpPr>
+          <a:xfrm>
+            <a:off x="7968476" y="3814372"/>
+            <a:ext cx="2214370" cy="560441"/>
+            <a:chOff x="3227083" y="4522001"/>
+            <a:chExt cx="2214370" cy="560441"/>
+          </a:xfrm>
+        </p:grpSpPr>
+        <p:grpSp>
+          <p:nvGrpSpPr>
+            <p:cNvPr id="26" name="Group 5">
+              <a:extLst>
+                <a:ext uri="{FF2B5EF4-FFF2-40B4-BE49-F238E27FC236}">
+                  <a16:creationId xmlns:a16="http://schemas.microsoft.com/office/drawing/2014/main" id="{9F4220BB-8DBB-4939-93CB-9B423FD890C6}"/>
+                </a:ext>
+              </a:extLst>
+            </p:cNvPr>
+            <p:cNvGrpSpPr/>
+            <p:nvPr/>
+          </p:nvGrpSpPr>
+          <p:grpSpPr>
+            <a:xfrm>
+              <a:off x="3701143" y="4522002"/>
+              <a:ext cx="1740310" cy="560440"/>
+              <a:chOff x="1327355" y="3148779"/>
+              <a:chExt cx="1976284" cy="560440"/>
+            </a:xfrm>
+          </p:grpSpPr>
+          <p:sp>
+            <p:nvSpPr>
+              <p:cNvPr id="28" name="Rectangle 3">
+                <a:extLst>
+                  <a:ext uri="{FF2B5EF4-FFF2-40B4-BE49-F238E27FC236}">
+                    <a16:creationId xmlns:a16="http://schemas.microsoft.com/office/drawing/2014/main" id="{3997C8BE-E4E2-4CA9-B4F9-DADA4DB85F96}"/>
+                  </a:ext>
+                </a:extLst>
+              </p:cNvPr>
+              <p:cNvSpPr/>
+              <p:nvPr/>
+            </p:nvSpPr>
+            <p:spPr>
+              <a:xfrm>
+                <a:off x="1327355" y="3148780"/>
+                <a:ext cx="1437945" cy="560439"/>
+              </a:xfrm>
+              <a:prstGeom prst="rect">
+                <a:avLst/>
+              </a:prstGeom>
+            </p:spPr>
+            <p:style>
+              <a:lnRef idx="2">
+                <a:schemeClr val="dk1"/>
+              </a:lnRef>
+              <a:fillRef idx="1">
+                <a:schemeClr val="lt1"/>
+              </a:fillRef>
+              <a:effectRef idx="0">
+                <a:schemeClr val="dk1"/>
+              </a:effectRef>
+              <a:fontRef idx="minor">
+                <a:schemeClr val="dk1"/>
+              </a:fontRef>
+            </p:style>
+            <p:txBody>
+              <a:bodyPr rtlCol="0" anchor="ctr"/>
+              <a:lstStyle/>
+              <a:p>
+                <a:pPr algn="ctr"/>
+                <a:r>
+                  <a:rPr lang="en-US" dirty="0"/>
+                  <a:t>“xxx”, 0</a:t>
+                </a:r>
+                <a:endParaRPr lang="en-GR" dirty="0"/>
+              </a:p>
+            </p:txBody>
+          </p:sp>
+          <p:sp>
+            <p:nvSpPr>
+              <p:cNvPr id="29" name="Rectangle 4">
+                <a:extLst>
+                  <a:ext uri="{FF2B5EF4-FFF2-40B4-BE49-F238E27FC236}">
+                    <a16:creationId xmlns:a16="http://schemas.microsoft.com/office/drawing/2014/main" id="{C22B0744-0831-4D8D-BC38-AEDB0DBEA7C4}"/>
+                  </a:ext>
+                </a:extLst>
+              </p:cNvPr>
+              <p:cNvSpPr/>
+              <p:nvPr/>
+            </p:nvSpPr>
+            <p:spPr>
+              <a:xfrm>
+                <a:off x="2772697" y="3148779"/>
+                <a:ext cx="530942" cy="560439"/>
+              </a:xfrm>
+              <a:prstGeom prst="rect">
+                <a:avLst/>
+              </a:prstGeom>
+              <a:solidFill>
+                <a:schemeClr val="bg1">
+                  <a:lumMod val="85000"/>
+                </a:schemeClr>
+              </a:solidFill>
+            </p:spPr>
+            <p:style>
+              <a:lnRef idx="2">
+                <a:schemeClr val="dk1"/>
+              </a:lnRef>
+              <a:fillRef idx="1">
+                <a:schemeClr val="lt1"/>
+              </a:fillRef>
+              <a:effectRef idx="0">
+                <a:schemeClr val="dk1"/>
+              </a:effectRef>
+              <a:fontRef idx="minor">
+                <a:schemeClr val="dk1"/>
+              </a:fontRef>
+            </p:style>
+            <p:txBody>
+              <a:bodyPr rtlCol="0" anchor="ctr"/>
+              <a:lstStyle/>
+              <a:p>
+                <a:pPr algn="ctr"/>
+                <a:r>
+                  <a:rPr lang="en-US" sz="1000" b="1" dirty="0"/>
+                  <a:t>NULL</a:t>
+                </a:r>
+                <a:endParaRPr lang="en-GR" b="1" dirty="0"/>
+              </a:p>
+            </p:txBody>
+          </p:sp>
+        </p:grpSp>
+        <p:sp>
+          <p:nvSpPr>
+            <p:cNvPr id="27" name="Rectangle 4">
+              <a:extLst>
+                <a:ext uri="{FF2B5EF4-FFF2-40B4-BE49-F238E27FC236}">
+                  <a16:creationId xmlns:a16="http://schemas.microsoft.com/office/drawing/2014/main" id="{B3B981D2-C3F2-4A1C-9742-F4B71AAA0DAB}"/>
+                </a:ext>
+              </a:extLst>
+            </p:cNvPr>
+            <p:cNvSpPr/>
+            <p:nvPr/>
+          </p:nvSpPr>
+          <p:spPr>
+            <a:xfrm>
+              <a:off x="3227083" y="4522001"/>
+              <a:ext cx="467546" cy="560439"/>
+            </a:xfrm>
+            <a:prstGeom prst="rect">
+              <a:avLst/>
+            </a:prstGeom>
+            <a:solidFill>
+              <a:schemeClr val="bg1">
+                <a:lumMod val="85000"/>
+              </a:schemeClr>
+            </a:solidFill>
+          </p:spPr>
+          <p:style>
+            <a:lnRef idx="2">
+              <a:schemeClr val="dk1"/>
+            </a:lnRef>
+            <a:fillRef idx="1">
+              <a:schemeClr val="lt1"/>
+            </a:fillRef>
+            <a:effectRef idx="0">
+              <a:schemeClr val="dk1"/>
+            </a:effectRef>
+            <a:fontRef idx="minor">
+              <a:schemeClr val="dk1"/>
+            </a:fontRef>
+          </p:style>
+          <p:txBody>
+            <a:bodyPr rtlCol="0" anchor="ctr"/>
+            <a:lstStyle/>
+            <a:p>
+              <a:pPr algn="ctr"/>
+              <a:r>
+                <a:rPr lang="en-US" sz="1000" b="1" dirty="0"/>
+                <a:t>NULL</a:t>
+              </a:r>
+              <a:endParaRPr lang="en-GR" dirty="0"/>
+            </a:p>
+          </p:txBody>
+        </p:sp>
+      </p:grpSp>
+      <p:cxnSp>
+        <p:nvCxnSpPr>
+          <p:cNvPr id="30" name="Γραμμή σύνδεσης: Γωνιώδης 29">
+            <a:extLst>
+              <a:ext uri="{FF2B5EF4-FFF2-40B4-BE49-F238E27FC236}">
+                <a16:creationId xmlns:a16="http://schemas.microsoft.com/office/drawing/2014/main" id="{9D944809-46D9-4794-AF8B-16AFF1B22E40}"/>
+              </a:ext>
+            </a:extLst>
+          </p:cNvPr>
+          <p:cNvCxnSpPr>
+            <a:cxnSpLocks/>
+            <a:stCxn id="14" idx="2"/>
+            <a:endCxn id="9" idx="2"/>
+          </p:cNvCxnSpPr>
+          <p:nvPr/>
+        </p:nvCxnSpPr>
+        <p:spPr>
+          <a:xfrm rot="5400000">
+            <a:off x="2596620" y="2479868"/>
+            <a:ext cx="12700" cy="1657921"/>
+          </a:xfrm>
+          <a:prstGeom prst="bentConnector3">
+            <a:avLst>
+              <a:gd name="adj1" fmla="val 1800000"/>
+            </a:avLst>
+          </a:prstGeom>
+          <a:ln w="38100">
+            <a:tailEnd type="triangle"/>
+          </a:ln>
+        </p:spPr>
+        <p:style>
+          <a:lnRef idx="1">
+            <a:schemeClr val="dk1"/>
+          </a:lnRef>
+          <a:fillRef idx="0">
+            <a:schemeClr val="dk1"/>
+          </a:fillRef>
+          <a:effectRef idx="0">
+            <a:schemeClr val="dk1"/>
+          </a:effectRef>
+          <a:fontRef idx="minor">
+            <a:schemeClr val="tx1"/>
+          </a:fontRef>
+        </p:style>
+      </p:cxnSp>
+      <p:cxnSp>
+        <p:nvCxnSpPr>
+          <p:cNvPr id="31" name="Γραμμή σύνδεσης: Γωνιώδης 30">
+            <a:extLst>
+              <a:ext uri="{FF2B5EF4-FFF2-40B4-BE49-F238E27FC236}">
+                <a16:creationId xmlns:a16="http://schemas.microsoft.com/office/drawing/2014/main" id="{BA6C728E-1E23-4620-8966-053C5CF7CFF2}"/>
+              </a:ext>
+            </a:extLst>
+          </p:cNvPr>
+          <p:cNvCxnSpPr>
+            <a:cxnSpLocks/>
+            <a:stCxn id="20" idx="2"/>
+            <a:endCxn id="15" idx="2"/>
+          </p:cNvCxnSpPr>
+          <p:nvPr/>
+        </p:nvCxnSpPr>
+        <p:spPr>
+          <a:xfrm rot="5400000">
+            <a:off x="5127952" y="2479869"/>
+            <a:ext cx="2" cy="1657921"/>
+          </a:xfrm>
+          <a:prstGeom prst="bentConnector3">
+            <a:avLst>
+              <a:gd name="adj1" fmla="val 11430100000"/>
+            </a:avLst>
+          </a:prstGeom>
+          <a:ln w="38100">
+            <a:tailEnd type="triangle"/>
+          </a:ln>
+        </p:spPr>
+        <p:style>
+          <a:lnRef idx="1">
+            <a:schemeClr val="dk1"/>
+          </a:lnRef>
+          <a:fillRef idx="0">
+            <a:schemeClr val="dk1"/>
+          </a:fillRef>
+          <a:effectRef idx="0">
+            <a:schemeClr val="dk1"/>
+          </a:effectRef>
+          <a:fontRef idx="minor">
+            <a:schemeClr val="tx1"/>
+          </a:fontRef>
+        </p:style>
+      </p:cxnSp>
+      <p:sp>
+        <p:nvSpPr>
+          <p:cNvPr id="44" name="TextBox 43">
+            <a:extLst>
+              <a:ext uri="{FF2B5EF4-FFF2-40B4-BE49-F238E27FC236}">
+                <a16:creationId xmlns:a16="http://schemas.microsoft.com/office/drawing/2014/main" id="{83520E1B-4A64-4F47-8CB2-A9D042F49A05}"/>
+              </a:ext>
+            </a:extLst>
+          </p:cNvPr>
+          <p:cNvSpPr txBox="1"/>
+          <p:nvPr/>
+        </p:nvSpPr>
+        <p:spPr>
+          <a:xfrm>
+            <a:off x="6624221" y="3779252"/>
+            <a:ext cx="488595" cy="369332"/>
+          </a:xfrm>
+          <a:prstGeom prst="rect">
+            <a:avLst/>
+          </a:prstGeom>
+          <a:noFill/>
+        </p:spPr>
+        <p:txBody>
+          <a:bodyPr wrap="square" rtlCol="0">
+            <a:spAutoFit/>
+          </a:bodyPr>
+          <a:lstStyle/>
+          <a:p>
+            <a:r>
+              <a:rPr lang="en-US" b="1" dirty="0"/>
+              <a:t>tail</a:t>
+            </a:r>
+            <a:endParaRPr lang="en-GR" b="1" dirty="0"/>
+          </a:p>
+        </p:txBody>
+      </p:sp>
+      <p:cxnSp>
+        <p:nvCxnSpPr>
+          <p:cNvPr id="45" name="Straight Arrow Connector 25">
+            <a:extLst>
+              <a:ext uri="{FF2B5EF4-FFF2-40B4-BE49-F238E27FC236}">
+                <a16:creationId xmlns:a16="http://schemas.microsoft.com/office/drawing/2014/main" id="{F458B69F-CBA4-4982-9BE3-EF0E668A325F}"/>
+              </a:ext>
+            </a:extLst>
+          </p:cNvPr>
+          <p:cNvCxnSpPr>
+            <a:cxnSpLocks/>
+            <a:endCxn id="21" idx="2"/>
+          </p:cNvCxnSpPr>
+          <p:nvPr/>
+        </p:nvCxnSpPr>
+        <p:spPr>
+          <a:xfrm flipV="1">
+            <a:off x="6830257" y="3308830"/>
+            <a:ext cx="68" cy="474690"/>
+          </a:xfrm>
+          <a:prstGeom prst="straightConnector1">
+            <a:avLst/>
+          </a:prstGeom>
+          <a:ln w="38100">
+            <a:solidFill>
+              <a:schemeClr val="tx1"/>
+            </a:solidFill>
+            <a:tailEnd type="triangle"/>
+          </a:ln>
+        </p:spPr>
+        <p:style>
+          <a:lnRef idx="1">
+            <a:schemeClr val="dk1"/>
+          </a:lnRef>
+          <a:fillRef idx="0">
+            <a:schemeClr val="dk1"/>
+          </a:fillRef>
+          <a:effectRef idx="0">
+            <a:schemeClr val="dk1"/>
+          </a:effectRef>
+          <a:fontRef idx="minor">
+            <a:schemeClr val="tx1"/>
+          </a:fontRef>
+        </p:style>
+      </p:cxnSp>
+    </p:spTree>
+    <p:extLst>
+      <p:ext uri="{BB962C8B-B14F-4D97-AF65-F5344CB8AC3E}">
+        <p14:creationId xmlns:p14="http://schemas.microsoft.com/office/powerpoint/2010/main" val="3523742285"/>
       </p:ext>
     </p:extLst>
   </p:cSld>
